--- a/Презентация Братцев.pptx
+++ b/Презентация Братцев.pptx
@@ -4028,25 +4028,6 @@
           </a:p>
         </p:txBody>
       </p:sp>
-      <p:sp>
-        <p:nvSpPr>
-          <p:cNvPr id="10" name="Текст 9"/>
-          <p:cNvSpPr>
-            <a:spLocks noGrp="1"/>
-          </p:cNvSpPr>
-          <p:nvPr>
-            <p:ph type="body" idx="1"/>
-          </p:nvPr>
-        </p:nvSpPr>
-        <p:spPr/>
-        <p:txBody>
-          <a:bodyPr/>
-          <a:lstStyle/>
-          <a:p>
-            <a:endParaRPr lang="ru-RU" dirty="0"/>
-          </a:p>
-        </p:txBody>
-      </p:sp>
     </p:spTree>
     <p:extLst>
       <p:ext uri="{BB962C8B-B14F-4D97-AF65-F5344CB8AC3E}">
@@ -4717,7 +4698,11 @@
             </a:pPr>
             <a:r>
               <a:rPr lang="ru-RU" dirty="0" smtClean="0"/>
-              <a:t>Игроки находящиеся в одной комнате могут начать игру, для этого игрокам требуется подтвердить готовность, а создателю данной комнаты непосредственно начать игру.</a:t>
+              <a:t>Игроки, </a:t>
+            </a:r>
+            <a:r>
+              <a:rPr lang="ru-RU" dirty="0" smtClean="0"/>
+              <a:t>находящиеся в одной комнате могут начать игру, для этого игрокам требуется подтвердить готовность, а создателю данной комнаты непосредственно начать игру.</a:t>
             </a:r>
             <a:endParaRPr lang="ru-RU" dirty="0"/>
           </a:p>
@@ -4997,7 +4982,7 @@
         </p:spPr>
         <p:txBody>
           <a:bodyPr>
-            <a:normAutofit fontScale="92500"/>
+            <a:normAutofit lnSpcReduction="10000"/>
           </a:bodyPr>
           <a:lstStyle/>
           <a:p>
@@ -5006,7 +4991,15 @@
             </a:pPr>
             <a:r>
               <a:rPr lang="ru-RU" dirty="0" smtClean="0"/>
-              <a:t>Игровое пространство представляет собой случайно сгенерированный лабиринт в котором появляются игроки.</a:t>
+              <a:t>Игровое пространство представляет собой случайно сгенерированный </a:t>
+            </a:r>
+            <a:r>
+              <a:rPr lang="ru-RU" dirty="0" smtClean="0"/>
+              <a:t>лабиринт, </a:t>
+            </a:r>
+            <a:r>
+              <a:rPr lang="ru-RU" dirty="0" smtClean="0"/>
+              <a:t>в котором появляются игроки.</a:t>
             </a:r>
           </a:p>
           <a:p>
@@ -5015,7 +5008,15 @@
             </a:pPr>
             <a:r>
               <a:rPr lang="ru-RU" dirty="0" smtClean="0"/>
-              <a:t>Задача каждого игрока уничтожить всё подконтрольные объекты оппонентов и при этом остаться единственным в лабиринте.</a:t>
+              <a:t>Задача каждого игрока уничтожить </a:t>
+            </a:r>
+            <a:r>
+              <a:rPr lang="ru-RU" dirty="0" smtClean="0"/>
+              <a:t>всех оппонентов </a:t>
+            </a:r>
+            <a:r>
+              <a:rPr lang="ru-RU" dirty="0" smtClean="0"/>
+              <a:t>и при этом остаться единственным в лабиринте.</a:t>
             </a:r>
           </a:p>
           <a:p>
@@ -5175,7 +5176,15 @@
             </a:pPr>
             <a:r>
               <a:rPr lang="ru-RU" dirty="0" smtClean="0"/>
-              <a:t>Раз в определённое количество времени появляется специальный бонус, который даёт новое вооружение. </a:t>
+              <a:t>Раз в определённое количество времени </a:t>
+            </a:r>
+            <a:r>
+              <a:rPr lang="ru-RU" dirty="0" smtClean="0"/>
+              <a:t>внутри лабиринта появляется </a:t>
+            </a:r>
+            <a:r>
+              <a:rPr lang="ru-RU" dirty="0" smtClean="0"/>
+              <a:t>специальный бонус, который даёт новое вооружение. </a:t>
             </a:r>
           </a:p>
           <a:p>
@@ -5507,7 +5516,7 @@
   <a:extraClrSchemeLst/>
   <a:extLst>
     <a:ext uri="{05A4C25C-085E-4340-85A3-A5531E510DB2}">
-      <thm15:themeFamily xmlns="" xmlns:thm15="http://schemas.microsoft.com/office/thememl/2012/main" name="Basis" id="{5665723A-49BA-4B57-8411-A56F8F207965}" vid="{90E45F77-AEFC-46EF-A7C1-5B338C297B02}"/>
+      <thm15:themeFamily xmlns:thm15="http://schemas.microsoft.com/office/thememl/2012/main" xmlns="" name="Basis" id="{5665723A-49BA-4B57-8411-A56F8F207965}" vid="{90E45F77-AEFC-46EF-A7C1-5B338C297B02}"/>
     </a:ext>
   </a:extLst>
 </a:theme>

--- a/Презентация Братцев.pptx
+++ b/Презентация Братцев.pptx
@@ -14,8 +14,7 @@
     <p:sldId id="263" r:id="rId8"/>
     <p:sldId id="264" r:id="rId9"/>
     <p:sldId id="265" r:id="rId10"/>
-    <p:sldId id="266" r:id="rId11"/>
-    <p:sldId id="262" r:id="rId12"/>
+    <p:sldId id="262" r:id="rId11"/>
   </p:sldIdLst>
   <p:sldSz cx="9144000" cy="6858000" type="screen4x3"/>
   <p:notesSz cx="6858000" cy="9144000"/>
@@ -3837,176 +3836,6 @@
       </p:grpSpPr>
       <p:sp>
         <p:nvSpPr>
-          <p:cNvPr id="5" name="Объект 4"/>
-          <p:cNvSpPr>
-            <a:spLocks noGrp="1"/>
-          </p:cNvSpPr>
-          <p:nvPr>
-            <p:ph sz="half" idx="1"/>
-          </p:nvPr>
-        </p:nvSpPr>
-        <p:spPr>
-          <a:xfrm>
-            <a:off x="827584" y="1628800"/>
-            <a:ext cx="4218806" cy="4176464"/>
-          </a:xfrm>
-        </p:spPr>
-        <p:txBody>
-          <a:bodyPr/>
-          <a:lstStyle/>
-          <a:p>
-            <a:pPr marL="45720" indent="0" algn="ctr">
-              <a:buNone/>
-            </a:pPr>
-            <a:r>
-              <a:rPr lang="ru-RU" b="1" dirty="0" smtClean="0"/>
-              <a:t>Информативная панель</a:t>
-            </a:r>
-          </a:p>
-          <a:p>
-            <a:pPr marL="45720" indent="0">
-              <a:buNone/>
-            </a:pPr>
-            <a:r>
-              <a:rPr lang="ru-RU" dirty="0" smtClean="0"/>
-              <a:t>Данный элемент интерфейса показывает основную информацию всех игроков в игре.</a:t>
-            </a:r>
-          </a:p>
-          <a:p>
-            <a:r>
-              <a:rPr lang="ru-RU" dirty="0" smtClean="0"/>
-              <a:t>Логин игрока</a:t>
-            </a:r>
-          </a:p>
-          <a:p>
-            <a:r>
-              <a:rPr lang="ru-RU" dirty="0" smtClean="0"/>
-              <a:t>Его текущее вооружение</a:t>
-            </a:r>
-          </a:p>
-          <a:p>
-            <a:r>
-              <a:rPr lang="ru-RU" dirty="0" smtClean="0"/>
-              <a:t>Игровой счёт</a:t>
-            </a:r>
-          </a:p>
-          <a:p>
-            <a:pPr marL="45720" indent="0">
-              <a:buNone/>
-            </a:pPr>
-            <a:endParaRPr lang="ru-RU" dirty="0" smtClean="0"/>
-          </a:p>
-          <a:p>
-            <a:pPr marL="45720" indent="0">
-              <a:buNone/>
-            </a:pPr>
-            <a:endParaRPr lang="ru-RU" dirty="0"/>
-          </a:p>
-        </p:txBody>
-      </p:sp>
-      <p:pic>
-        <p:nvPicPr>
-          <p:cNvPr id="7170" name="Picture 2"/>
-          <p:cNvPicPr>
-            <a:picLocks noGrp="1" noChangeAspect="1" noChangeArrowheads="1"/>
-          </p:cNvPicPr>
-          <p:nvPr>
-            <p:ph sz="half" idx="2"/>
-          </p:nvPr>
-        </p:nvPicPr>
-        <p:blipFill rotWithShape="1">
-          <a:blip r:embed="rId2">
-            <a:extLst>
-              <a:ext uri="{28A0092B-C50C-407E-A947-70E740481C1C}">
-                <a14:useLocalDpi xmlns:a14="http://schemas.microsoft.com/office/drawing/2010/main" val="0"/>
-              </a:ext>
-            </a:extLst>
-          </a:blip>
-          <a:srcRect l="1754" t="3331" r="1693" b="5166"/>
-          <a:stretch/>
-        </p:blipFill>
-        <p:spPr bwMode="auto">
-          <a:xfrm>
-            <a:off x="5415379" y="2831977"/>
-            <a:ext cx="2823100" cy="1402672"/>
-          </a:xfrm>
-          <a:prstGeom prst="rect">
-            <a:avLst/>
-          </a:prstGeom>
-          <a:noFill/>
-          <a:ln>
-            <a:noFill/>
-          </a:ln>
-          <a:effectLst/>
-          <a:extLst>
-            <a:ext uri="{909E8E84-426E-40DD-AFC4-6F175D3DCCD1}">
-              <a14:hiddenFill xmlns:a14="http://schemas.microsoft.com/office/drawing/2010/main">
-                <a:solidFill>
-                  <a:schemeClr val="accent1"/>
-                </a:solidFill>
-              </a14:hiddenFill>
-            </a:ext>
-            <a:ext uri="{91240B29-F687-4F45-9708-019B960494DF}">
-              <a14:hiddenLine xmlns:a14="http://schemas.microsoft.com/office/drawing/2010/main" w="9525">
-                <a:solidFill>
-                  <a:schemeClr val="tx1"/>
-                </a:solidFill>
-                <a:miter lim="800000"/>
-                <a:headEnd/>
-                <a:tailEnd/>
-              </a14:hiddenLine>
-            </a:ext>
-            <a:ext uri="{AF507438-7753-43E0-B8FC-AC1667EBCBE1}">
-              <a14:hiddenEffects xmlns:a14="http://schemas.microsoft.com/office/drawing/2010/main">
-                <a:effectLst>
-                  <a:outerShdw dist="35921" dir="2700000" algn="ctr" rotWithShape="0">
-                    <a:schemeClr val="bg2"/>
-                  </a:outerShdw>
-                </a:effectLst>
-              </a14:hiddenEffects>
-            </a:ext>
-          </a:extLst>
-        </p:spPr>
-      </p:pic>
-    </p:spTree>
-    <p:extLst>
-      <p:ext uri="{BB962C8B-B14F-4D97-AF65-F5344CB8AC3E}">
-        <p14:creationId xmlns:p14="http://schemas.microsoft.com/office/powerpoint/2010/main" val="870850196"/>
-      </p:ext>
-    </p:extLst>
-  </p:cSld>
-  <p:clrMapOvr>
-    <a:masterClrMapping/>
-  </p:clrMapOvr>
-  <p:timing>
-    <p:tnLst>
-      <p:par>
-        <p:cTn id="1" dur="indefinite" restart="never" nodeType="tmRoot"/>
-      </p:par>
-    </p:tnLst>
-  </p:timing>
-</p:sld>
-</file>
-
-<file path=ppt/slides/slide11.xml><?xml version="1.0" encoding="utf-8"?>
-<p:sld xmlns:a="http://schemas.openxmlformats.org/drawingml/2006/main" xmlns:r="http://schemas.openxmlformats.org/officeDocument/2006/relationships" xmlns:p="http://schemas.openxmlformats.org/presentationml/2006/main">
-  <p:cSld>
-    <p:spTree>
-      <p:nvGrpSpPr>
-        <p:cNvPr id="1" name=""/>
-        <p:cNvGrpSpPr/>
-        <p:nvPr/>
-      </p:nvGrpSpPr>
-      <p:grpSpPr>
-        <a:xfrm>
-          <a:off x="0" y="0"/>
-          <a:ext cx="0" cy="0"/>
-          <a:chOff x="0" y="0"/>
-          <a:chExt cx="0" cy="0"/>
-        </a:xfrm>
-      </p:grpSpPr>
-      <p:sp>
-        <p:nvSpPr>
           <p:cNvPr id="9" name="Заголовок 8"/>
           <p:cNvSpPr>
             <a:spLocks noGrp="1"/>
@@ -4077,13 +3906,15 @@
         </p:nvSpPr>
         <p:spPr/>
         <p:txBody>
-          <a:bodyPr/>
+          <a:bodyPr>
+            <a:normAutofit fontScale="90000"/>
+          </a:bodyPr>
           <a:lstStyle/>
           <a:p>
             <a:pPr algn="ctr"/>
             <a:r>
-              <a:rPr lang="ru-RU" dirty="0" smtClean="0"/>
-              <a:t>Содержание</a:t>
+              <a:rPr lang="ru-RU" dirty="0"/>
+              <a:t>Основные направления деятельности организации (отдела)</a:t>
             </a:r>
             <a:endParaRPr lang="ru-RU" dirty="0"/>
           </a:p>
@@ -4101,28 +3932,65 @@
         </p:nvSpPr>
         <p:spPr/>
         <p:txBody>
-          <a:bodyPr/>
+          <a:bodyPr>
+            <a:noAutofit/>
+          </a:bodyPr>
           <a:lstStyle/>
           <a:p>
-            <a:r>
-              <a:rPr lang="ru-RU" sz="2400" dirty="0" smtClean="0"/>
-              <a:t>О проекте</a:t>
-            </a:r>
-          </a:p>
-          <a:p>
-            <a:r>
-              <a:rPr lang="ru-RU" sz="2400" dirty="0" smtClean="0"/>
-              <a:t>Интерфейс</a:t>
-            </a:r>
-          </a:p>
-          <a:p>
-            <a:r>
-              <a:rPr lang="ru-RU" sz="2400" dirty="0" smtClean="0"/>
-              <a:t>Игровой процесс</a:t>
-            </a:r>
-          </a:p>
-          <a:p>
-            <a:endParaRPr lang="ru-RU" sz="2400" dirty="0" smtClean="0"/>
+            <a:pPr lvl="0"/>
+            <a:r>
+              <a:rPr lang="ru-RU" sz="1500" dirty="0"/>
+              <a:t>создание условий для подготовки квалифицированных рабочих и специалистов с профессионально-техническим и средним специальным образованиями;</a:t>
+            </a:r>
+          </a:p>
+          <a:p>
+            <a:pPr lvl="0"/>
+            <a:r>
+              <a:rPr lang="ru-RU" sz="1500" dirty="0"/>
+              <a:t>удовлетворение потребностей личности в интеллектуальном, культурном и нравственном развитии;</a:t>
+            </a:r>
+          </a:p>
+          <a:p>
+            <a:pPr lvl="0"/>
+            <a:r>
+              <a:rPr lang="ru-RU" sz="1500" dirty="0"/>
+              <a:t>создание условий для физического совершенствования обучающихся, овладения ценностями и навыками здорового образа жизни;</a:t>
+            </a:r>
+          </a:p>
+          <a:p>
+            <a:pPr lvl="0"/>
+            <a:r>
+              <a:rPr lang="ru-RU" sz="1500" dirty="0"/>
+              <a:t>обеспечение социальной защиты обучающихся и установленных законодательством социальных гарантий;</a:t>
+            </a:r>
+          </a:p>
+          <a:p>
+            <a:pPr lvl="0"/>
+            <a:r>
+              <a:rPr lang="ru-RU" sz="1500" dirty="0"/>
+              <a:t>формирование нравственной, эстетической и экологической культуры;</a:t>
+            </a:r>
+          </a:p>
+          <a:p>
+            <a:pPr lvl="0"/>
+            <a:r>
+              <a:rPr lang="ru-RU" sz="1500" dirty="0"/>
+              <a:t>подготовка к самостоятельной жизни и труду;</a:t>
+            </a:r>
+          </a:p>
+          <a:p>
+            <a:pPr lvl="0"/>
+            <a:r>
+              <a:rPr lang="ru-RU" sz="1500" dirty="0"/>
+              <a:t>создание условий для социализации и саморазвития личности обучающегося;</a:t>
+            </a:r>
+          </a:p>
+          <a:p>
+            <a:pPr lvl="0"/>
+            <a:r>
+              <a:rPr lang="ru-RU" sz="1500" dirty="0"/>
+              <a:t>организация экспериментальной работы преподавателей, мастеров производственного обучения и учащихся.</a:t>
+            </a:r>
           </a:p>
         </p:txBody>
       </p:sp>
@@ -4175,124 +4043,644 @@
         </p:nvSpPr>
         <p:spPr/>
         <p:txBody>
-          <a:bodyPr/>
+          <a:bodyPr>
+            <a:normAutofit fontScale="90000"/>
+          </a:bodyPr>
           <a:lstStyle/>
           <a:p>
             <a:pPr algn="ctr"/>
             <a:r>
-              <a:rPr lang="ru-RU" dirty="0" smtClean="0"/>
-              <a:t>О проекте</a:t>
+              <a:rPr lang="ru-RU" dirty="0"/>
+              <a:t>Основные количественные показатели деятельности организации (отдела)</a:t>
             </a:r>
             <a:endParaRPr lang="ru-RU" dirty="0"/>
           </a:p>
         </p:txBody>
       </p:sp>
-      <p:sp>
-        <p:nvSpPr>
-          <p:cNvPr id="3" name="Объект 2"/>
-          <p:cNvSpPr>
-            <a:spLocks noGrp="1"/>
-          </p:cNvSpPr>
+      <p:graphicFrame>
+        <p:nvGraphicFramePr>
+          <p:cNvPr id="4" name="Объект 3"/>
+          <p:cNvGraphicFramePr>
+            <a:graphicFrameLocks noGrp="1"/>
+          </p:cNvGraphicFramePr>
           <p:nvPr>
             <p:ph idx="1"/>
-          </p:nvPr>
-        </p:nvSpPr>
-        <p:spPr/>
-        <p:txBody>
-          <a:bodyPr/>
-          <a:lstStyle/>
-          <a:p>
-            <a:pPr marL="45720" indent="0">
-              <a:buNone/>
-            </a:pPr>
-            <a:r>
-              <a:rPr lang="ru-RU" dirty="0" smtClean="0"/>
-              <a:t>Данный проект посвящён </a:t>
-            </a:r>
-            <a:r>
-              <a:rPr lang="ru-RU" dirty="0"/>
-              <a:t>созданию </a:t>
-            </a:r>
-            <a:r>
-              <a:rPr lang="ru-RU" dirty="0" err="1" smtClean="0"/>
-              <a:t>мультиплеерной</a:t>
-            </a:r>
-            <a:r>
-              <a:rPr lang="ru-RU" dirty="0" smtClean="0"/>
-              <a:t> онлайн игры в жанре </a:t>
-            </a:r>
-            <a:r>
-              <a:rPr lang="en-US" dirty="0" smtClean="0"/>
-              <a:t>Top-Down Shooter.</a:t>
-            </a:r>
-            <a:endParaRPr lang="ru-RU" dirty="0"/>
-          </a:p>
-        </p:txBody>
-      </p:sp>
-      <p:pic>
-        <p:nvPicPr>
-          <p:cNvPr id="2052" name="Picture 4"/>
-          <p:cNvPicPr>
-            <a:picLocks noChangeAspect="1" noChangeArrowheads="1"/>
-          </p:cNvPicPr>
-          <p:nvPr/>
-        </p:nvPicPr>
-        <p:blipFill>
-          <a:blip r:embed="rId2">
-            <a:extLst>
-              <a:ext uri="{28A0092B-C50C-407E-A947-70E740481C1C}">
-                <a14:useLocalDpi xmlns:a14="http://schemas.microsoft.com/office/drawing/2010/main" val="0"/>
-              </a:ext>
-            </a:extLst>
-          </a:blip>
-          <a:srcRect/>
-          <a:stretch>
-            <a:fillRect/>
-          </a:stretch>
-        </p:blipFill>
-        <p:spPr bwMode="auto">
-          <a:xfrm>
-            <a:off x="2267744" y="2852936"/>
-            <a:ext cx="4671333" cy="3504834"/>
-          </a:xfrm>
-          <a:prstGeom prst="rect">
-            <a:avLst/>
-          </a:prstGeom>
-          <a:noFill/>
-          <a:ln>
-            <a:noFill/>
-          </a:ln>
-          <a:effectLst/>
-          <a:extLst>
-            <a:ext uri="{909E8E84-426E-40DD-AFC4-6F175D3DCCD1}">
-              <a14:hiddenFill xmlns:a14="http://schemas.microsoft.com/office/drawing/2010/main">
-                <a:solidFill>
-                  <a:schemeClr val="accent1"/>
-                </a:solidFill>
-              </a14:hiddenFill>
-            </a:ext>
-            <a:ext uri="{91240B29-F687-4F45-9708-019B960494DF}">
-              <a14:hiddenLine xmlns:a14="http://schemas.microsoft.com/office/drawing/2010/main" w="9525">
-                <a:solidFill>
-                  <a:schemeClr val="tx1"/>
-                </a:solidFill>
-                <a:miter lim="800000"/>
-                <a:headEnd/>
-                <a:tailEnd/>
-              </a14:hiddenLine>
-            </a:ext>
-            <a:ext uri="{AF507438-7753-43E0-B8FC-AC1667EBCBE1}">
-              <a14:hiddenEffects xmlns:a14="http://schemas.microsoft.com/office/drawing/2010/main">
-                <a:effectLst>
-                  <a:outerShdw dist="35921" dir="2700000" algn="ctr" rotWithShape="0">
-                    <a:schemeClr val="bg2"/>
-                  </a:outerShdw>
-                </a:effectLst>
-              </a14:hiddenEffects>
-            </a:ext>
-          </a:extLst>
-        </p:spPr>
-      </p:pic>
+            <p:extLst>
+              <p:ext uri="{D42A27DB-BD31-4B8C-83A1-F6EECF244321}">
+                <p14:modId xmlns:p14="http://schemas.microsoft.com/office/powerpoint/2010/main" val="1683246882"/>
+              </p:ext>
+            </p:extLst>
+          </p:nvPr>
+        </p:nvGraphicFramePr>
+        <p:xfrm>
+          <a:off x="827584" y="2348880"/>
+          <a:ext cx="7488833" cy="3888432"/>
+        </p:xfrm>
+        <a:graphic>
+          <a:graphicData uri="http://schemas.openxmlformats.org/drawingml/2006/table">
+            <a:tbl>
+              <a:tblPr firstRow="1" firstCol="1" bandRow="1">
+                <a:tableStyleId>{5C22544A-7EE6-4342-B048-85BDC9FD1C3A}</a:tableStyleId>
+              </a:tblPr>
+              <a:tblGrid>
+                <a:gridCol w="422324"/>
+                <a:gridCol w="2449797"/>
+                <a:gridCol w="1514596"/>
+                <a:gridCol w="1039381"/>
+                <a:gridCol w="2062735"/>
+              </a:tblGrid>
+              <a:tr h="777687">
+                <a:tc>
+                  <a:txBody>
+                    <a:bodyPr/>
+                    <a:lstStyle/>
+                    <a:p>
+                      <a:pPr algn="ctr">
+                        <a:lnSpc>
+                          <a:spcPct val="115000"/>
+                        </a:lnSpc>
+                        <a:spcAft>
+                          <a:spcPts val="0"/>
+                        </a:spcAft>
+                      </a:pPr>
+                      <a:r>
+                        <a:rPr lang="ru-RU" sz="1400" dirty="0">
+                          <a:effectLst/>
+                        </a:rPr>
+                        <a:t>№</a:t>
+                      </a:r>
+                      <a:endParaRPr lang="ru-RU" sz="1100" dirty="0">
+                        <a:effectLst/>
+                        <a:latin typeface="Calibri"/>
+                        <a:ea typeface="Calibri"/>
+                        <a:cs typeface="Times New Roman"/>
+                      </a:endParaRPr>
+                    </a:p>
+                  </a:txBody>
+                  <a:tcPr marL="68580" marR="68580" marT="0" marB="0" anchor="ctr"/>
+                </a:tc>
+                <a:tc>
+                  <a:txBody>
+                    <a:bodyPr/>
+                    <a:lstStyle/>
+                    <a:p>
+                      <a:pPr algn="ctr">
+                        <a:lnSpc>
+                          <a:spcPct val="115000"/>
+                        </a:lnSpc>
+                        <a:spcAft>
+                          <a:spcPts val="0"/>
+                        </a:spcAft>
+                      </a:pPr>
+                      <a:r>
+                        <a:rPr lang="ru-RU" sz="1400" dirty="0">
+                          <a:effectLst/>
+                        </a:rPr>
+                        <a:t>Название дисциплины (учебного курса)</a:t>
+                      </a:r>
+                      <a:endParaRPr lang="ru-RU" sz="1100" dirty="0">
+                        <a:effectLst/>
+                        <a:latin typeface="Calibri"/>
+                        <a:ea typeface="Calibri"/>
+                        <a:cs typeface="Times New Roman"/>
+                      </a:endParaRPr>
+                    </a:p>
+                  </a:txBody>
+                  <a:tcPr marL="68580" marR="68580" marT="0" marB="0" anchor="ctr"/>
+                </a:tc>
+                <a:tc>
+                  <a:txBody>
+                    <a:bodyPr/>
+                    <a:lstStyle/>
+                    <a:p>
+                      <a:pPr algn="ctr">
+                        <a:lnSpc>
+                          <a:spcPct val="115000"/>
+                        </a:lnSpc>
+                        <a:spcAft>
+                          <a:spcPts val="0"/>
+                        </a:spcAft>
+                      </a:pPr>
+                      <a:r>
+                        <a:rPr lang="ru-RU" sz="1400">
+                          <a:effectLst/>
+                        </a:rPr>
+                        <a:t>Направление подготовки</a:t>
+                      </a:r>
+                      <a:endParaRPr lang="ru-RU" sz="1100">
+                        <a:effectLst/>
+                        <a:latin typeface="Calibri"/>
+                        <a:ea typeface="Calibri"/>
+                        <a:cs typeface="Times New Roman"/>
+                      </a:endParaRPr>
+                    </a:p>
+                  </a:txBody>
+                  <a:tcPr marL="68580" marR="68580" marT="0" marB="0" anchor="ctr"/>
+                </a:tc>
+                <a:tc>
+                  <a:txBody>
+                    <a:bodyPr/>
+                    <a:lstStyle/>
+                    <a:p>
+                      <a:pPr algn="ctr">
+                        <a:lnSpc>
+                          <a:spcPct val="115000"/>
+                        </a:lnSpc>
+                        <a:spcAft>
+                          <a:spcPts val="0"/>
+                        </a:spcAft>
+                      </a:pPr>
+                      <a:r>
+                        <a:rPr lang="ru-RU" sz="1400">
+                          <a:effectLst/>
+                        </a:rPr>
+                        <a:t>Кол-во часов</a:t>
+                      </a:r>
+                      <a:endParaRPr lang="ru-RU" sz="1100">
+                        <a:effectLst/>
+                        <a:latin typeface="Calibri"/>
+                        <a:ea typeface="Calibri"/>
+                        <a:cs typeface="Times New Roman"/>
+                      </a:endParaRPr>
+                    </a:p>
+                  </a:txBody>
+                  <a:tcPr marL="68580" marR="68580" marT="0" marB="0" anchor="ctr"/>
+                </a:tc>
+                <a:tc>
+                  <a:txBody>
+                    <a:bodyPr/>
+                    <a:lstStyle/>
+                    <a:p>
+                      <a:pPr algn="ctr">
+                        <a:lnSpc>
+                          <a:spcPct val="115000"/>
+                        </a:lnSpc>
+                        <a:spcAft>
+                          <a:spcPts val="0"/>
+                        </a:spcAft>
+                      </a:pPr>
+                      <a:r>
+                        <a:rPr lang="ru-RU" sz="1400">
+                          <a:effectLst/>
+                        </a:rPr>
+                        <a:t>Преподаватель</a:t>
+                      </a:r>
+                      <a:endParaRPr lang="ru-RU" sz="1100">
+                        <a:effectLst/>
+                        <a:latin typeface="Calibri"/>
+                        <a:ea typeface="Calibri"/>
+                        <a:cs typeface="Times New Roman"/>
+                      </a:endParaRPr>
+                    </a:p>
+                  </a:txBody>
+                  <a:tcPr marL="68580" marR="68580" marT="0" marB="0" anchor="ctr"/>
+                </a:tc>
+              </a:tr>
+              <a:tr h="1166529">
+                <a:tc>
+                  <a:txBody>
+                    <a:bodyPr/>
+                    <a:lstStyle/>
+                    <a:p>
+                      <a:pPr>
+                        <a:lnSpc>
+                          <a:spcPct val="115000"/>
+                        </a:lnSpc>
+                        <a:spcAft>
+                          <a:spcPts val="0"/>
+                        </a:spcAft>
+                      </a:pPr>
+                      <a:r>
+                        <a:rPr lang="ru-RU" sz="1400">
+                          <a:effectLst/>
+                        </a:rPr>
+                        <a:t>1.</a:t>
+                      </a:r>
+                      <a:endParaRPr lang="ru-RU" sz="1100">
+                        <a:effectLst/>
+                        <a:latin typeface="Calibri"/>
+                        <a:ea typeface="Calibri"/>
+                        <a:cs typeface="Times New Roman"/>
+                      </a:endParaRPr>
+                    </a:p>
+                  </a:txBody>
+                  <a:tcPr marL="68580" marR="68580" marT="0" marB="0"/>
+                </a:tc>
+                <a:tc>
+                  <a:txBody>
+                    <a:bodyPr/>
+                    <a:lstStyle/>
+                    <a:p>
+                      <a:pPr>
+                        <a:lnSpc>
+                          <a:spcPct val="115000"/>
+                        </a:lnSpc>
+                        <a:spcAft>
+                          <a:spcPts val="0"/>
+                        </a:spcAft>
+                      </a:pPr>
+                      <a:r>
+                        <a:rPr lang="ru-RU" sz="1400">
+                          <a:effectLst/>
+                        </a:rPr>
+                        <a:t>МДК 03.01 Технология разработки программного обеспечения</a:t>
+                      </a:r>
+                      <a:endParaRPr lang="ru-RU" sz="1100">
+                        <a:effectLst/>
+                        <a:latin typeface="Calibri"/>
+                        <a:ea typeface="Calibri"/>
+                        <a:cs typeface="Times New Roman"/>
+                      </a:endParaRPr>
+                    </a:p>
+                  </a:txBody>
+                  <a:tcPr marL="68580" marR="68580" marT="0" marB="0"/>
+                </a:tc>
+                <a:tc>
+                  <a:txBody>
+                    <a:bodyPr/>
+                    <a:lstStyle/>
+                    <a:p>
+                      <a:pPr algn="ctr">
+                        <a:lnSpc>
+                          <a:spcPct val="115000"/>
+                        </a:lnSpc>
+                        <a:spcAft>
+                          <a:spcPts val="0"/>
+                        </a:spcAft>
+                      </a:pPr>
+                      <a:r>
+                        <a:rPr lang="ru-RU" sz="1400">
+                          <a:effectLst/>
+                        </a:rPr>
+                        <a:t>09.02.03</a:t>
+                      </a:r>
+                      <a:endParaRPr lang="ru-RU" sz="1100">
+                        <a:effectLst/>
+                        <a:latin typeface="Calibri"/>
+                        <a:ea typeface="Calibri"/>
+                        <a:cs typeface="Times New Roman"/>
+                      </a:endParaRPr>
+                    </a:p>
+                  </a:txBody>
+                  <a:tcPr marL="68580" marR="68580" marT="0" marB="0" anchor="ctr"/>
+                </a:tc>
+                <a:tc>
+                  <a:txBody>
+                    <a:bodyPr/>
+                    <a:lstStyle/>
+                    <a:p>
+                      <a:pPr algn="ctr">
+                        <a:lnSpc>
+                          <a:spcPct val="115000"/>
+                        </a:lnSpc>
+                        <a:spcAft>
+                          <a:spcPts val="0"/>
+                        </a:spcAft>
+                      </a:pPr>
+                      <a:r>
+                        <a:rPr lang="ru-RU" sz="1400">
+                          <a:effectLst/>
+                        </a:rPr>
+                        <a:t>392</a:t>
+                      </a:r>
+                      <a:endParaRPr lang="ru-RU" sz="1100">
+                        <a:effectLst/>
+                        <a:latin typeface="Calibri"/>
+                        <a:ea typeface="Calibri"/>
+                        <a:cs typeface="Times New Roman"/>
+                      </a:endParaRPr>
+                    </a:p>
+                  </a:txBody>
+                  <a:tcPr marL="68580" marR="68580" marT="0" marB="0" anchor="ctr"/>
+                </a:tc>
+                <a:tc>
+                  <a:txBody>
+                    <a:bodyPr/>
+                    <a:lstStyle/>
+                    <a:p>
+                      <a:pPr>
+                        <a:lnSpc>
+                          <a:spcPct val="115000"/>
+                        </a:lnSpc>
+                        <a:spcAft>
+                          <a:spcPts val="0"/>
+                        </a:spcAft>
+                      </a:pPr>
+                      <a:r>
+                        <a:rPr lang="ru-RU" sz="1400">
+                          <a:effectLst/>
+                        </a:rPr>
+                        <a:t>Попов В.Н.</a:t>
+                      </a:r>
+                      <a:endParaRPr lang="ru-RU" sz="1100">
+                        <a:effectLst/>
+                        <a:latin typeface="Calibri"/>
+                        <a:ea typeface="Calibri"/>
+                        <a:cs typeface="Times New Roman"/>
+                      </a:endParaRPr>
+                    </a:p>
+                  </a:txBody>
+                  <a:tcPr marL="68580" marR="68580" marT="0" marB="0" anchor="ctr"/>
+                </a:tc>
+              </a:tr>
+              <a:tr h="388843">
+                <a:tc>
+                  <a:txBody>
+                    <a:bodyPr/>
+                    <a:lstStyle/>
+                    <a:p>
+                      <a:pPr>
+                        <a:lnSpc>
+                          <a:spcPct val="115000"/>
+                        </a:lnSpc>
+                        <a:spcAft>
+                          <a:spcPts val="0"/>
+                        </a:spcAft>
+                      </a:pPr>
+                      <a:r>
+                        <a:rPr lang="ru-RU" sz="1400">
+                          <a:effectLst/>
+                        </a:rPr>
+                        <a:t>2.</a:t>
+                      </a:r>
+                      <a:endParaRPr lang="ru-RU" sz="1100">
+                        <a:effectLst/>
+                        <a:latin typeface="Calibri"/>
+                        <a:ea typeface="Calibri"/>
+                        <a:cs typeface="Times New Roman"/>
+                      </a:endParaRPr>
+                    </a:p>
+                  </a:txBody>
+                  <a:tcPr marL="68580" marR="68580" marT="0" marB="0"/>
+                </a:tc>
+                <a:tc>
+                  <a:txBody>
+                    <a:bodyPr/>
+                    <a:lstStyle/>
+                    <a:p>
+                      <a:pPr>
+                        <a:lnSpc>
+                          <a:spcPct val="115000"/>
+                        </a:lnSpc>
+                        <a:spcAft>
+                          <a:spcPts val="0"/>
+                        </a:spcAft>
+                      </a:pPr>
+                      <a:r>
+                        <a:rPr lang="ru-RU" sz="1400">
+                          <a:effectLst/>
+                        </a:rPr>
+                        <a:t>Операционные системы</a:t>
+                      </a:r>
+                      <a:endParaRPr lang="ru-RU" sz="1100">
+                        <a:effectLst/>
+                        <a:latin typeface="Calibri"/>
+                        <a:ea typeface="Calibri"/>
+                        <a:cs typeface="Times New Roman"/>
+                      </a:endParaRPr>
+                    </a:p>
+                  </a:txBody>
+                  <a:tcPr marL="68580" marR="68580" marT="0" marB="0"/>
+                </a:tc>
+                <a:tc>
+                  <a:txBody>
+                    <a:bodyPr/>
+                    <a:lstStyle/>
+                    <a:p>
+                      <a:pPr algn="ctr">
+                        <a:lnSpc>
+                          <a:spcPct val="115000"/>
+                        </a:lnSpc>
+                        <a:spcAft>
+                          <a:spcPts val="0"/>
+                        </a:spcAft>
+                      </a:pPr>
+                      <a:r>
+                        <a:rPr lang="ru-RU" sz="1400">
+                          <a:effectLst/>
+                        </a:rPr>
+                        <a:t>09.02.03</a:t>
+                      </a:r>
+                      <a:endParaRPr lang="ru-RU" sz="1100">
+                        <a:effectLst/>
+                        <a:latin typeface="Calibri"/>
+                        <a:ea typeface="Calibri"/>
+                        <a:cs typeface="Times New Roman"/>
+                      </a:endParaRPr>
+                    </a:p>
+                  </a:txBody>
+                  <a:tcPr marL="68580" marR="68580" marT="0" marB="0" anchor="ctr"/>
+                </a:tc>
+                <a:tc>
+                  <a:txBody>
+                    <a:bodyPr/>
+                    <a:lstStyle/>
+                    <a:p>
+                      <a:pPr algn="ctr">
+                        <a:lnSpc>
+                          <a:spcPct val="115000"/>
+                        </a:lnSpc>
+                        <a:spcAft>
+                          <a:spcPts val="0"/>
+                        </a:spcAft>
+                      </a:pPr>
+                      <a:r>
+                        <a:rPr lang="ru-RU" sz="1400">
+                          <a:effectLst/>
+                        </a:rPr>
+                        <a:t>226</a:t>
+                      </a:r>
+                      <a:endParaRPr lang="ru-RU" sz="1100">
+                        <a:effectLst/>
+                        <a:latin typeface="Calibri"/>
+                        <a:ea typeface="Calibri"/>
+                        <a:cs typeface="Times New Roman"/>
+                      </a:endParaRPr>
+                    </a:p>
+                  </a:txBody>
+                  <a:tcPr marL="68580" marR="68580" marT="0" marB="0" anchor="ctr"/>
+                </a:tc>
+                <a:tc>
+                  <a:txBody>
+                    <a:bodyPr/>
+                    <a:lstStyle/>
+                    <a:p>
+                      <a:pPr>
+                        <a:lnSpc>
+                          <a:spcPct val="115000"/>
+                        </a:lnSpc>
+                        <a:spcAft>
+                          <a:spcPts val="0"/>
+                        </a:spcAft>
+                      </a:pPr>
+                      <a:r>
+                        <a:rPr lang="ru-RU" sz="1400">
+                          <a:effectLst/>
+                        </a:rPr>
+                        <a:t>Попов В.Н.</a:t>
+                      </a:r>
+                      <a:endParaRPr lang="ru-RU" sz="1100">
+                        <a:effectLst/>
+                        <a:latin typeface="Calibri"/>
+                        <a:ea typeface="Calibri"/>
+                        <a:cs typeface="Times New Roman"/>
+                      </a:endParaRPr>
+                    </a:p>
+                  </a:txBody>
+                  <a:tcPr marL="68580" marR="68580" marT="0" marB="0" anchor="ctr"/>
+                </a:tc>
+              </a:tr>
+              <a:tr h="1555373">
+                <a:tc>
+                  <a:txBody>
+                    <a:bodyPr/>
+                    <a:lstStyle/>
+                    <a:p>
+                      <a:pPr>
+                        <a:lnSpc>
+                          <a:spcPct val="115000"/>
+                        </a:lnSpc>
+                        <a:spcAft>
+                          <a:spcPts val="0"/>
+                        </a:spcAft>
+                      </a:pPr>
+                      <a:r>
+                        <a:rPr lang="ru-RU" sz="1400">
+                          <a:effectLst/>
+                        </a:rPr>
+                        <a:t>3.</a:t>
+                      </a:r>
+                      <a:endParaRPr lang="ru-RU" sz="1100">
+                        <a:effectLst/>
+                        <a:latin typeface="Calibri"/>
+                        <a:ea typeface="Calibri"/>
+                        <a:cs typeface="Times New Roman"/>
+                      </a:endParaRPr>
+                    </a:p>
+                  </a:txBody>
+                  <a:tcPr marL="68580" marR="68580" marT="0" marB="0"/>
+                </a:tc>
+                <a:tc>
+                  <a:txBody>
+                    <a:bodyPr/>
+                    <a:lstStyle/>
+                    <a:p>
+                      <a:pPr>
+                        <a:lnSpc>
+                          <a:spcPct val="115000"/>
+                        </a:lnSpc>
+                        <a:spcAft>
+                          <a:spcPts val="0"/>
+                        </a:spcAft>
+                      </a:pPr>
+                      <a:r>
+                        <a:rPr lang="ru-RU" sz="1400">
+                          <a:effectLst/>
+                        </a:rPr>
+                        <a:t>МДК 03.02 Инструментальные средства разработки программного обеспечения</a:t>
+                      </a:r>
+                      <a:endParaRPr lang="ru-RU" sz="1100">
+                        <a:effectLst/>
+                        <a:latin typeface="Calibri"/>
+                        <a:ea typeface="Calibri"/>
+                        <a:cs typeface="Times New Roman"/>
+                      </a:endParaRPr>
+                    </a:p>
+                  </a:txBody>
+                  <a:tcPr marL="68580" marR="68580" marT="0" marB="0"/>
+                </a:tc>
+                <a:tc>
+                  <a:txBody>
+                    <a:bodyPr/>
+                    <a:lstStyle/>
+                    <a:p>
+                      <a:pPr algn="ctr">
+                        <a:lnSpc>
+                          <a:spcPct val="115000"/>
+                        </a:lnSpc>
+                        <a:spcAft>
+                          <a:spcPts val="0"/>
+                        </a:spcAft>
+                      </a:pPr>
+                      <a:r>
+                        <a:rPr lang="ru-RU" sz="1400">
+                          <a:effectLst/>
+                        </a:rPr>
+                        <a:t>09.02.03</a:t>
+                      </a:r>
+                      <a:endParaRPr lang="ru-RU" sz="1100">
+                        <a:effectLst/>
+                        <a:latin typeface="Calibri"/>
+                        <a:ea typeface="Calibri"/>
+                        <a:cs typeface="Times New Roman"/>
+                      </a:endParaRPr>
+                    </a:p>
+                  </a:txBody>
+                  <a:tcPr marL="68580" marR="68580" marT="0" marB="0" anchor="ctr"/>
+                </a:tc>
+                <a:tc>
+                  <a:txBody>
+                    <a:bodyPr/>
+                    <a:lstStyle/>
+                    <a:p>
+                      <a:pPr algn="ctr">
+                        <a:lnSpc>
+                          <a:spcPct val="115000"/>
+                        </a:lnSpc>
+                        <a:spcAft>
+                          <a:spcPts val="0"/>
+                        </a:spcAft>
+                      </a:pPr>
+                      <a:r>
+                        <a:rPr lang="ru-RU" sz="1400">
+                          <a:effectLst/>
+                        </a:rPr>
+                        <a:t>488</a:t>
+                      </a:r>
+                      <a:endParaRPr lang="ru-RU" sz="1100">
+                        <a:effectLst/>
+                        <a:latin typeface="Calibri"/>
+                        <a:ea typeface="Calibri"/>
+                        <a:cs typeface="Times New Roman"/>
+                      </a:endParaRPr>
+                    </a:p>
+                  </a:txBody>
+                  <a:tcPr marL="68580" marR="68580" marT="0" marB="0" anchor="ctr"/>
+                </a:tc>
+                <a:tc>
+                  <a:txBody>
+                    <a:bodyPr/>
+                    <a:lstStyle/>
+                    <a:p>
+                      <a:pPr>
+                        <a:lnSpc>
+                          <a:spcPct val="115000"/>
+                        </a:lnSpc>
+                        <a:spcAft>
+                          <a:spcPts val="0"/>
+                        </a:spcAft>
+                      </a:pPr>
+                      <a:r>
+                        <a:rPr lang="ru-RU" sz="1400" dirty="0">
+                          <a:effectLst/>
+                        </a:rPr>
+                        <a:t>Абраменко Е.Р.</a:t>
+                      </a:r>
+                      <a:endParaRPr lang="ru-RU" sz="1100" dirty="0">
+                        <a:effectLst/>
+                        <a:latin typeface="Calibri"/>
+                        <a:ea typeface="Calibri"/>
+                        <a:cs typeface="Times New Roman"/>
+                      </a:endParaRPr>
+                    </a:p>
+                  </a:txBody>
+                  <a:tcPr marL="68580" marR="68580" marT="0" marB="0" anchor="ctr"/>
+                </a:tc>
+              </a:tr>
+            </a:tbl>
+          </a:graphicData>
+        </a:graphic>
+      </p:graphicFrame>
     </p:spTree>
     <p:extLst>
       <p:ext uri="{BB962C8B-B14F-4D97-AF65-F5344CB8AC3E}">
@@ -4342,53 +4730,15 @@
         </p:nvSpPr>
         <p:spPr/>
         <p:txBody>
-          <a:bodyPr/>
+          <a:bodyPr>
+            <a:normAutofit fontScale="90000"/>
+          </a:bodyPr>
           <a:lstStyle/>
           <a:p>
             <a:pPr algn="ctr"/>
             <a:r>
-              <a:rPr lang="ru-RU" dirty="0" smtClean="0"/>
-              <a:t>Интерфейс</a:t>
-            </a:r>
-            <a:endParaRPr lang="ru-RU" dirty="0"/>
-          </a:p>
-        </p:txBody>
-      </p:sp>
-      <p:sp>
-        <p:nvSpPr>
-          <p:cNvPr id="3" name="Объект 2"/>
-          <p:cNvSpPr>
-            <a:spLocks noGrp="1"/>
-          </p:cNvSpPr>
-          <p:nvPr>
-            <p:ph sz="half" idx="1"/>
-          </p:nvPr>
-        </p:nvSpPr>
-        <p:spPr>
-          <a:xfrm>
-            <a:off x="857250" y="2057399"/>
-            <a:ext cx="3066678" cy="4023360"/>
-          </a:xfrm>
-        </p:spPr>
-        <p:txBody>
-          <a:bodyPr/>
-          <a:lstStyle/>
-          <a:p>
-            <a:pPr marL="45720" indent="0" algn="ctr">
-              <a:buNone/>
-            </a:pPr>
-            <a:r>
-              <a:rPr lang="ru-RU" b="1" dirty="0" smtClean="0"/>
-              <a:t>Выбор логина</a:t>
-            </a:r>
-          </a:p>
-          <a:p>
-            <a:pPr marL="45720" indent="0">
-              <a:buNone/>
-            </a:pPr>
-            <a:r>
-              <a:rPr lang="ru-RU" dirty="0" smtClean="0"/>
-              <a:t>После запуска игры открывается окно с выбором логина и подключения к главному лобби.</a:t>
+              <a:rPr lang="ru-RU" dirty="0"/>
+              <a:t>Схема локальной сети с указанием сотрудников и используемого ПО</a:t>
             </a:r>
             <a:endParaRPr lang="ru-RU" dirty="0"/>
           </a:p>
@@ -4396,12 +4746,12 @@
       </p:sp>
       <p:pic>
         <p:nvPicPr>
-          <p:cNvPr id="3074" name="Picture 2"/>
+          <p:cNvPr id="6" name="Объект 5"/>
           <p:cNvPicPr>
-            <a:picLocks noGrp="1" noChangeAspect="1" noChangeArrowheads="1"/>
+            <a:picLocks noGrp="1"/>
           </p:cNvPicPr>
           <p:nvPr>
-            <p:ph sz="half" idx="2"/>
+            <p:ph idx="1"/>
           </p:nvPr>
         </p:nvPicPr>
         <p:blipFill>
@@ -4419,8 +4769,8 @@
         </p:blipFill>
         <p:spPr bwMode="auto">
           <a:xfrm>
-            <a:off x="4067944" y="2204864"/>
-            <a:ext cx="4846241" cy="3772975"/>
+            <a:off x="857250" y="2164625"/>
+            <a:ext cx="7404100" cy="3824149"/>
           </a:xfrm>
           <a:prstGeom prst="rect">
             <a:avLst/>
@@ -4429,35 +4779,6 @@
           <a:ln>
             <a:noFill/>
           </a:ln>
-          <a:effectLst/>
-          <a:extLst>
-            <a:ext uri="{909E8E84-426E-40DD-AFC4-6F175D3DCCD1}">
-              <a14:hiddenFill xmlns:a14="http://schemas.microsoft.com/office/drawing/2010/main">
-                <a:solidFill>
-                  <a:schemeClr val="accent1"/>
-                </a:solidFill>
-              </a14:hiddenFill>
-            </a:ext>
-            <a:ext uri="{91240B29-F687-4F45-9708-019B960494DF}">
-              <a14:hiddenLine xmlns:a14="http://schemas.microsoft.com/office/drawing/2010/main" w="9525">
-                <a:solidFill>
-                  <a:schemeClr val="tx1"/>
-                </a:solidFill>
-                <a:miter lim="800000"/>
-                <a:headEnd/>
-                <a:tailEnd/>
-              </a14:hiddenLine>
-            </a:ext>
-            <a:ext uri="{AF507438-7753-43E0-B8FC-AC1667EBCBE1}">
-              <a14:hiddenEffects xmlns:a14="http://schemas.microsoft.com/office/drawing/2010/main">
-                <a:effectLst>
-                  <a:outerShdw dist="35921" dir="2700000" algn="ctr" rotWithShape="0">
-                    <a:schemeClr val="bg2"/>
-                  </a:outerShdw>
-                </a:effectLst>
-              </a14:hiddenEffects>
-            </a:ext>
-          </a:extLst>
         </p:spPr>
       </p:pic>
     </p:spTree>
@@ -4499,123 +4820,403 @@
       </p:grpSpPr>
       <p:sp>
         <p:nvSpPr>
-          <p:cNvPr id="5" name="Объект 4"/>
-          <p:cNvSpPr>
-            <a:spLocks noGrp="1"/>
-          </p:cNvSpPr>
-          <p:nvPr>
-            <p:ph sz="half" idx="1"/>
-          </p:nvPr>
-        </p:nvSpPr>
-        <p:spPr>
-          <a:xfrm>
-            <a:off x="857249" y="1422504"/>
-            <a:ext cx="3066678" cy="4023360"/>
-          </a:xfrm>
-        </p:spPr>
+          <p:cNvPr id="2" name="Заголовок 1"/>
+          <p:cNvSpPr>
+            <a:spLocks noGrp="1"/>
+          </p:cNvSpPr>
+          <p:nvPr>
+            <p:ph type="title"/>
+          </p:nvPr>
+        </p:nvSpPr>
+        <p:spPr/>
         <p:txBody>
           <a:bodyPr/>
           <a:lstStyle/>
           <a:p>
-            <a:pPr marL="45720" indent="0" algn="ctr">
-              <a:buNone/>
-            </a:pPr>
-            <a:r>
-              <a:rPr lang="ru-RU" b="1" dirty="0"/>
-              <a:t>Главное </a:t>
-            </a:r>
-            <a:r>
-              <a:rPr lang="ru-RU" b="1" dirty="0" smtClean="0"/>
-              <a:t>лобби</a:t>
-            </a:r>
-          </a:p>
-          <a:p>
-            <a:pPr marL="45720" indent="0">
-              <a:buNone/>
-            </a:pPr>
-            <a:r>
-              <a:rPr lang="ru-RU" dirty="0" smtClean="0"/>
-              <a:t>Данное меню представляет собой местом соединения игроков друг с другом.</a:t>
-            </a:r>
-          </a:p>
-          <a:p>
-            <a:pPr marL="45720" indent="0">
-              <a:buNone/>
-            </a:pPr>
-            <a:r>
-              <a:rPr lang="ru-RU" dirty="0" smtClean="0"/>
-              <a:t>Из главного лобби игроки создают и подключаются к игровым комнатам.</a:t>
+            <a:r>
+              <a:rPr lang="ru-RU" dirty="0"/>
+              <a:t>Математическая модель или типовая схема базы данных</a:t>
             </a:r>
             <a:endParaRPr lang="ru-RU" dirty="0"/>
           </a:p>
         </p:txBody>
       </p:sp>
-      <p:pic>
-        <p:nvPicPr>
-          <p:cNvPr id="1028" name="Picture 4"/>
-          <p:cNvPicPr>
-            <a:picLocks noGrp="1" noChangeAspect="1" noChangeArrowheads="1"/>
-          </p:cNvPicPr>
-          <p:nvPr>
-            <p:ph sz="half" idx="2"/>
-          </p:nvPr>
-        </p:nvPicPr>
-        <p:blipFill>
-          <a:blip r:embed="rId2">
-            <a:extLst>
-              <a:ext uri="{28A0092B-C50C-407E-A947-70E740481C1C}">
-                <a14:useLocalDpi xmlns:a14="http://schemas.microsoft.com/office/drawing/2010/main" val="0"/>
-              </a:ext>
-            </a:extLst>
-          </a:blip>
-          <a:srcRect/>
-          <a:stretch>
-            <a:fillRect/>
-          </a:stretch>
-        </p:blipFill>
-        <p:spPr bwMode="auto">
-          <a:xfrm>
-            <a:off x="4067944" y="1556792"/>
-            <a:ext cx="4830812" cy="3754150"/>
-          </a:xfrm>
-          <a:prstGeom prst="rect">
-            <a:avLst/>
-          </a:prstGeom>
-          <a:noFill/>
-          <a:ln>
-            <a:noFill/>
-          </a:ln>
-          <a:effectLst/>
-          <a:extLst>
-            <a:ext uri="{909E8E84-426E-40DD-AFC4-6F175D3DCCD1}">
-              <a14:hiddenFill xmlns:a14="http://schemas.microsoft.com/office/drawing/2010/main">
-                <a:solidFill>
-                  <a:schemeClr val="accent1"/>
-                </a:solidFill>
-              </a14:hiddenFill>
-            </a:ext>
-            <a:ext uri="{91240B29-F687-4F45-9708-019B960494DF}">
-              <a14:hiddenLine xmlns:a14="http://schemas.microsoft.com/office/drawing/2010/main" w="9525">
-                <a:solidFill>
-                  <a:schemeClr val="tx1"/>
-                </a:solidFill>
-                <a:miter lim="800000"/>
-                <a:headEnd/>
-                <a:tailEnd/>
-              </a14:hiddenLine>
-            </a:ext>
-            <a:ext uri="{AF507438-7753-43E0-B8FC-AC1667EBCBE1}">
-              <a14:hiddenEffects xmlns:a14="http://schemas.microsoft.com/office/drawing/2010/main">
-                <a:effectLst>
-                  <a:outerShdw dist="35921" dir="2700000" algn="ctr" rotWithShape="0">
-                    <a:schemeClr val="bg2"/>
-                  </a:outerShdw>
-                </a:effectLst>
-              </a14:hiddenEffects>
-            </a:ext>
-          </a:extLst>
-        </p:spPr>
-      </p:pic>
+      <p:graphicFrame>
+        <p:nvGraphicFramePr>
+          <p:cNvPr id="3" name="Объект 2"/>
+          <p:cNvGraphicFramePr>
+            <a:graphicFrameLocks noGrp="1"/>
+          </p:cNvGraphicFramePr>
+          <p:nvPr>
+            <p:ph idx="1"/>
+            <p:extLst>
+              <p:ext uri="{D42A27DB-BD31-4B8C-83A1-F6EECF244321}">
+                <p14:modId xmlns:p14="http://schemas.microsoft.com/office/powerpoint/2010/main" val="485198490"/>
+              </p:ext>
+            </p:extLst>
+          </p:nvPr>
+        </p:nvGraphicFramePr>
+        <p:xfrm>
+          <a:off x="857250" y="2057400"/>
+          <a:ext cx="7404099" cy="1651000"/>
+        </p:xfrm>
+        <a:graphic>
+          <a:graphicData uri="http://schemas.openxmlformats.org/drawingml/2006/table">
+            <a:tbl>
+              <a:tblPr firstRow="1" bandRow="1">
+                <a:tableStyleId>{5C22544A-7EE6-4342-B048-85BDC9FD1C3A}</a:tableStyleId>
+              </a:tblPr>
+              <a:tblGrid>
+                <a:gridCol w="762422"/>
+                <a:gridCol w="3096344"/>
+                <a:gridCol w="3545333"/>
+              </a:tblGrid>
+              <a:tr h="370840">
+                <a:tc>
+                  <a:txBody>
+                    <a:bodyPr/>
+                    <a:lstStyle/>
+                    <a:p>
+                      <a:pPr algn="ctr"/>
+                      <a:r>
+                        <a:rPr lang="ru-RU" dirty="0" smtClean="0"/>
+                        <a:t>№</a:t>
+                      </a:r>
+                      <a:endParaRPr lang="ru-RU" dirty="0"/>
+                    </a:p>
+                  </a:txBody>
+                  <a:tcPr/>
+                </a:tc>
+                <a:tc>
+                  <a:txBody>
+                    <a:bodyPr/>
+                    <a:lstStyle/>
+                    <a:p>
+                      <a:r>
+                        <a:rPr lang="ru-RU" dirty="0" smtClean="0"/>
+                        <a:t>Действие</a:t>
+                      </a:r>
+                      <a:endParaRPr lang="ru-RU" dirty="0"/>
+                    </a:p>
+                  </a:txBody>
+                  <a:tcPr/>
+                </a:tc>
+                <a:tc>
+                  <a:txBody>
+                    <a:bodyPr/>
+                    <a:lstStyle/>
+                    <a:p>
+                      <a:r>
+                        <a:rPr lang="ru-RU" dirty="0" smtClean="0"/>
+                        <a:t>Формула</a:t>
+                      </a:r>
+                      <a:endParaRPr lang="ru-RU" dirty="0"/>
+                    </a:p>
+                  </a:txBody>
+                  <a:tcPr/>
+                </a:tc>
+              </a:tr>
+              <a:tr h="370840">
+                <a:tc>
+                  <a:txBody>
+                    <a:bodyPr/>
+                    <a:lstStyle/>
+                    <a:p>
+                      <a:pPr algn="ctr"/>
+                      <a:r>
+                        <a:rPr lang="ru-RU" dirty="0" smtClean="0"/>
+                        <a:t>1</a:t>
+                      </a:r>
+                      <a:endParaRPr lang="ru-RU" dirty="0"/>
+                    </a:p>
+                  </a:txBody>
+                  <a:tcPr/>
+                </a:tc>
+                <a:tc>
+                  <a:txBody>
+                    <a:bodyPr/>
+                    <a:lstStyle/>
+                    <a:p>
+                      <a:r>
+                        <a:rPr lang="ru-RU" dirty="0" smtClean="0"/>
+                        <a:t>Перемещение игрового персонажа</a:t>
+                      </a:r>
+                      <a:endParaRPr lang="ru-RU" dirty="0"/>
+                    </a:p>
+                  </a:txBody>
+                  <a:tcPr/>
+                </a:tc>
+                <a:tc>
+                  <a:txBody>
+                    <a:bodyPr/>
+                    <a:lstStyle/>
+                    <a:p>
+                      <a:r>
+                        <a:rPr lang="en-US" sz="1800" kern="1200" dirty="0" smtClean="0">
+                          <a:solidFill>
+                            <a:schemeClr val="dk1"/>
+                          </a:solidFill>
+                          <a:effectLst/>
+                          <a:latin typeface="+mn-lt"/>
+                          <a:ea typeface="+mn-ea"/>
+                          <a:cs typeface="+mn-cs"/>
+                        </a:rPr>
+                        <a:t>d</a:t>
+                      </a:r>
+                      <a:r>
+                        <a:rPr lang="ru-RU" sz="1800" kern="1200" dirty="0" smtClean="0">
+                          <a:solidFill>
+                            <a:schemeClr val="dk1"/>
+                          </a:solidFill>
+                          <a:effectLst/>
+                          <a:latin typeface="+mn-lt"/>
+                          <a:ea typeface="+mn-ea"/>
+                          <a:cs typeface="+mn-cs"/>
+                        </a:rPr>
+                        <a:t> = </a:t>
+                      </a:r>
+                      <a:r>
+                        <a:rPr lang="en-US" sz="1800" kern="1200" dirty="0" smtClean="0">
+                          <a:solidFill>
+                            <a:schemeClr val="dk1"/>
+                          </a:solidFill>
+                          <a:effectLst/>
+                          <a:latin typeface="+mn-lt"/>
+                          <a:ea typeface="+mn-ea"/>
+                          <a:cs typeface="+mn-cs"/>
+                        </a:rPr>
+                        <a:t>v</a:t>
+                      </a:r>
+                      <a:r>
+                        <a:rPr lang="ru-RU" sz="1800" kern="1200" dirty="0" smtClean="0">
+                          <a:solidFill>
+                            <a:schemeClr val="dk1"/>
+                          </a:solidFill>
+                          <a:effectLst/>
+                          <a:latin typeface="+mn-lt"/>
+                          <a:ea typeface="+mn-ea"/>
+                          <a:cs typeface="+mn-cs"/>
+                        </a:rPr>
+                        <a:t> * </a:t>
+                      </a:r>
+                      <a:r>
+                        <a:rPr lang="en-US" sz="1800" kern="1200" dirty="0" smtClean="0">
+                          <a:solidFill>
+                            <a:schemeClr val="dk1"/>
+                          </a:solidFill>
+                          <a:effectLst/>
+                          <a:latin typeface="+mn-lt"/>
+                          <a:ea typeface="+mn-ea"/>
+                          <a:cs typeface="+mn-cs"/>
+                        </a:rPr>
+                        <a:t>s</a:t>
+                      </a:r>
+                      <a:r>
+                        <a:rPr lang="ru-RU" sz="1800" kern="1200" dirty="0" smtClean="0">
+                          <a:solidFill>
+                            <a:schemeClr val="dk1"/>
+                          </a:solidFill>
+                          <a:effectLst/>
+                          <a:latin typeface="+mn-lt"/>
+                          <a:ea typeface="+mn-ea"/>
+                          <a:cs typeface="+mn-cs"/>
+                        </a:rPr>
+                        <a:t> * </a:t>
+                      </a:r>
+                      <a:r>
+                        <a:rPr lang="en-US" sz="1800" kern="1200" dirty="0" err="1" smtClean="0">
+                          <a:solidFill>
+                            <a:schemeClr val="dk1"/>
+                          </a:solidFill>
+                          <a:effectLst/>
+                          <a:latin typeface="+mn-lt"/>
+                          <a:ea typeface="+mn-ea"/>
+                          <a:cs typeface="+mn-cs"/>
+                        </a:rPr>
+                        <a:t>deltatime</a:t>
+                      </a:r>
+                      <a:endParaRPr lang="ru-RU" sz="1800" kern="1200" dirty="0">
+                        <a:solidFill>
+                          <a:schemeClr val="dk1"/>
+                        </a:solidFill>
+                        <a:effectLst/>
+                        <a:latin typeface="+mn-lt"/>
+                        <a:ea typeface="+mn-ea"/>
+                        <a:cs typeface="+mn-cs"/>
+                      </a:endParaRPr>
+                    </a:p>
+                  </a:txBody>
+                  <a:tcPr/>
+                </a:tc>
+              </a:tr>
+              <a:tr h="370840">
+                <a:tc>
+                  <a:txBody>
+                    <a:bodyPr/>
+                    <a:lstStyle/>
+                    <a:p>
+                      <a:pPr algn="ctr"/>
+                      <a:r>
+                        <a:rPr lang="ru-RU" dirty="0" smtClean="0"/>
+                        <a:t>2</a:t>
+                      </a:r>
+                      <a:endParaRPr lang="ru-RU" dirty="0"/>
+                    </a:p>
+                  </a:txBody>
+                  <a:tcPr/>
+                </a:tc>
+                <a:tc>
+                  <a:txBody>
+                    <a:bodyPr/>
+                    <a:lstStyle/>
+                    <a:p>
+                      <a:r>
+                        <a:rPr lang="ru-RU" dirty="0" smtClean="0"/>
+                        <a:t>Отображение снарядов от стен</a:t>
+                      </a:r>
+                      <a:endParaRPr lang="ru-RU" dirty="0"/>
+                    </a:p>
+                  </a:txBody>
+                  <a:tcPr/>
+                </a:tc>
+                <a:tc>
+                  <a:txBody>
+                    <a:bodyPr/>
+                    <a:lstStyle/>
+                    <a:p>
+                      <a:pPr marL="0" marR="0" indent="0" algn="l" defTabSz="914400" rtl="0" eaLnBrk="1" fontAlgn="auto" latinLnBrk="0" hangingPunct="1">
+                        <a:lnSpc>
+                          <a:spcPct val="100000"/>
+                        </a:lnSpc>
+                        <a:spcBef>
+                          <a:spcPts val="0"/>
+                        </a:spcBef>
+                        <a:spcAft>
+                          <a:spcPts val="0"/>
+                        </a:spcAft>
+                        <a:buClrTx/>
+                        <a:buSzTx/>
+                        <a:buFontTx/>
+                        <a:buNone/>
+                        <a:tabLst/>
+                        <a:defRPr/>
+                      </a:pPr>
+                      <a:r>
+                        <a:rPr lang="en-US" sz="1800" kern="1200" dirty="0" smtClean="0">
+                          <a:solidFill>
+                            <a:schemeClr val="dk1"/>
+                          </a:solidFill>
+                          <a:effectLst/>
+                          <a:latin typeface="+mn-lt"/>
+                          <a:ea typeface="+mn-ea"/>
+                          <a:cs typeface="+mn-cs"/>
+                        </a:rPr>
+                        <a:t>r = </a:t>
+                      </a:r>
+                      <a:r>
+                        <a:rPr lang="ru-RU" sz="1800" kern="1200" dirty="0" smtClean="0">
+                          <a:solidFill>
+                            <a:schemeClr val="dk1"/>
+                          </a:solidFill>
+                          <a:effectLst/>
+                          <a:latin typeface="+mn-lt"/>
+                          <a:ea typeface="+mn-ea"/>
+                          <a:cs typeface="+mn-cs"/>
+                        </a:rPr>
+                        <a:t>9</a:t>
+                      </a:r>
+                      <a:r>
+                        <a:rPr lang="en-US" sz="1800" kern="1200" dirty="0" smtClean="0">
+                          <a:solidFill>
+                            <a:schemeClr val="dk1"/>
+                          </a:solidFill>
+                          <a:effectLst/>
+                          <a:latin typeface="+mn-lt"/>
+                          <a:ea typeface="+mn-ea"/>
+                          <a:cs typeface="+mn-cs"/>
+                        </a:rPr>
+                        <a:t>0 – </a:t>
+                      </a:r>
+                      <a:r>
+                        <a:rPr lang="en-US" sz="1800" kern="1200" dirty="0" err="1" smtClean="0">
+                          <a:solidFill>
+                            <a:schemeClr val="dk1"/>
+                          </a:solidFill>
+                          <a:effectLst/>
+                          <a:latin typeface="+mn-lt"/>
+                          <a:ea typeface="+mn-ea"/>
+                          <a:cs typeface="+mn-cs"/>
+                        </a:rPr>
+                        <a:t>Atan</a:t>
+                      </a:r>
+                      <a:r>
+                        <a:rPr lang="en-US" sz="1800" kern="1200" dirty="0" smtClean="0">
+                          <a:solidFill>
+                            <a:schemeClr val="dk1"/>
+                          </a:solidFill>
+                          <a:effectLst/>
+                          <a:latin typeface="+mn-lt"/>
+                          <a:ea typeface="+mn-ea"/>
+                          <a:cs typeface="+mn-cs"/>
+                        </a:rPr>
+                        <a:t> * </a:t>
+                      </a:r>
+                      <a:r>
+                        <a:rPr lang="ru-RU" sz="1800" kern="1200" dirty="0" smtClean="0">
+                          <a:solidFill>
+                            <a:schemeClr val="dk1"/>
+                          </a:solidFill>
+                          <a:effectLst/>
+                          <a:latin typeface="+mn-lt"/>
+                          <a:ea typeface="+mn-ea"/>
+                          <a:cs typeface="+mn-cs"/>
+                        </a:rPr>
+                        <a:t>360 / (</a:t>
+                      </a:r>
+                      <a:r>
+                        <a:rPr lang="en-US" sz="1800" kern="1200" dirty="0" smtClean="0">
+                          <a:solidFill>
+                            <a:schemeClr val="dk1"/>
+                          </a:solidFill>
+                          <a:effectLst/>
+                          <a:latin typeface="+mn-lt"/>
+                          <a:ea typeface="+mn-ea"/>
+                          <a:cs typeface="+mn-cs"/>
+                        </a:rPr>
+                        <a:t>π * 2</a:t>
+                      </a:r>
+                      <a:r>
+                        <a:rPr lang="ru-RU" sz="1800" kern="1200" dirty="0" smtClean="0">
+                          <a:solidFill>
+                            <a:schemeClr val="dk1"/>
+                          </a:solidFill>
+                          <a:effectLst/>
+                          <a:latin typeface="+mn-lt"/>
+                          <a:ea typeface="+mn-ea"/>
+                          <a:cs typeface="+mn-cs"/>
+                        </a:rPr>
+                        <a:t>)</a:t>
+                      </a:r>
+                    </a:p>
+                    <a:p>
+                      <a:endParaRPr lang="ru-RU" sz="1800" kern="1200" dirty="0">
+                        <a:solidFill>
+                          <a:schemeClr val="dk1"/>
+                        </a:solidFill>
+                        <a:effectLst/>
+                        <a:latin typeface="+mn-lt"/>
+                        <a:ea typeface="+mn-ea"/>
+                        <a:cs typeface="+mn-cs"/>
+                      </a:endParaRPr>
+                    </a:p>
+                  </a:txBody>
+                  <a:tcPr/>
+                </a:tc>
+              </a:tr>
+            </a:tbl>
+          </a:graphicData>
+        </a:graphic>
+      </p:graphicFrame>
     </p:spTree>
     <p:extLst>
       <p:ext uri="{BB962C8B-B14F-4D97-AF65-F5344CB8AC3E}">
@@ -4655,125 +5256,185 @@
       </p:grpSpPr>
       <p:sp>
         <p:nvSpPr>
-          <p:cNvPr id="3" name="Объект 2"/>
-          <p:cNvSpPr>
-            <a:spLocks noGrp="1"/>
-          </p:cNvSpPr>
-          <p:nvPr>
-            <p:ph sz="half" idx="1"/>
-          </p:nvPr>
-        </p:nvSpPr>
-        <p:spPr>
-          <a:xfrm>
-            <a:off x="857250" y="1472223"/>
-            <a:ext cx="3066678" cy="4023360"/>
-          </a:xfrm>
-        </p:spPr>
-        <p:txBody>
-          <a:bodyPr>
-            <a:normAutofit fontScale="92500" lnSpcReduction="10000"/>
-          </a:bodyPr>
+          <p:cNvPr id="2" name="Заголовок 1"/>
+          <p:cNvSpPr>
+            <a:spLocks noGrp="1"/>
+          </p:cNvSpPr>
+          <p:nvPr>
+            <p:ph type="title"/>
+          </p:nvPr>
+        </p:nvSpPr>
+        <p:spPr/>
+        <p:txBody>
+          <a:bodyPr/>
           <a:lstStyle/>
           <a:p>
-            <a:pPr marL="45720" indent="0" algn="ctr">
-              <a:buNone/>
-            </a:pPr>
-            <a:r>
-              <a:rPr lang="ru-RU" b="1" dirty="0" smtClean="0"/>
-              <a:t>Комната</a:t>
-            </a:r>
-          </a:p>
-          <a:p>
-            <a:pPr marL="45720" indent="0">
-              <a:buNone/>
-            </a:pPr>
-            <a:r>
-              <a:rPr lang="ru-RU" dirty="0" smtClean="0"/>
-              <a:t>К одной комнате могут подключиться до 4-х игроков, они будут отображены в списке.</a:t>
-            </a:r>
-          </a:p>
-          <a:p>
-            <a:pPr marL="45720" indent="0">
-              <a:buNone/>
-            </a:pPr>
-            <a:r>
-              <a:rPr lang="ru-RU" dirty="0" smtClean="0"/>
-              <a:t>Игроки, </a:t>
-            </a:r>
-            <a:r>
-              <a:rPr lang="ru-RU" dirty="0" smtClean="0"/>
-              <a:t>находящиеся в одной комнате могут начать игру, для этого игрокам требуется подтвердить готовность, а создателю данной комнаты непосредственно начать игру.</a:t>
+            <a:r>
+              <a:rPr lang="ru-RU" dirty="0"/>
+              <a:t>Таблица программных решений</a:t>
             </a:r>
             <a:endParaRPr lang="ru-RU" dirty="0"/>
           </a:p>
         </p:txBody>
       </p:sp>
-      <p:pic>
-        <p:nvPicPr>
-          <p:cNvPr id="4098" name="Picture 2"/>
-          <p:cNvPicPr>
-            <a:picLocks noGrp="1" noChangeAspect="1" noChangeArrowheads="1"/>
-          </p:cNvPicPr>
-          <p:nvPr>
-            <p:ph sz="half" idx="2"/>
-          </p:nvPr>
-        </p:nvPicPr>
-        <p:blipFill>
-          <a:blip r:embed="rId2">
-            <a:extLst>
-              <a:ext uri="{28A0092B-C50C-407E-A947-70E740481C1C}">
-                <a14:useLocalDpi xmlns:a14="http://schemas.microsoft.com/office/drawing/2010/main" val="0"/>
-              </a:ext>
-            </a:extLst>
-          </a:blip>
-          <a:srcRect/>
-          <a:stretch>
-            <a:fillRect/>
-          </a:stretch>
-        </p:blipFill>
-        <p:spPr bwMode="auto">
-          <a:xfrm>
-            <a:off x="4067944" y="1628800"/>
-            <a:ext cx="4824536" cy="3748222"/>
-          </a:xfrm>
-          <a:prstGeom prst="rect">
-            <a:avLst/>
-          </a:prstGeom>
-          <a:noFill/>
-          <a:ln>
-            <a:noFill/>
-          </a:ln>
-          <a:effectLst/>
-          <a:extLst>
-            <a:ext uri="{909E8E84-426E-40DD-AFC4-6F175D3DCCD1}">
-              <a14:hiddenFill xmlns:a14="http://schemas.microsoft.com/office/drawing/2010/main">
-                <a:solidFill>
-                  <a:schemeClr val="accent1"/>
-                </a:solidFill>
-              </a14:hiddenFill>
-            </a:ext>
-            <a:ext uri="{91240B29-F687-4F45-9708-019B960494DF}">
-              <a14:hiddenLine xmlns:a14="http://schemas.microsoft.com/office/drawing/2010/main" w="9525">
-                <a:solidFill>
-                  <a:schemeClr val="tx1"/>
-                </a:solidFill>
-                <a:miter lim="800000"/>
-                <a:headEnd/>
-                <a:tailEnd/>
-              </a14:hiddenLine>
-            </a:ext>
-            <a:ext uri="{AF507438-7753-43E0-B8FC-AC1667EBCBE1}">
-              <a14:hiddenEffects xmlns:a14="http://schemas.microsoft.com/office/drawing/2010/main">
-                <a:effectLst>
-                  <a:outerShdw dist="35921" dir="2700000" algn="ctr" rotWithShape="0">
-                    <a:schemeClr val="bg2"/>
-                  </a:outerShdw>
-                </a:effectLst>
-              </a14:hiddenEffects>
-            </a:ext>
-          </a:extLst>
-        </p:spPr>
-      </p:pic>
+      <p:graphicFrame>
+        <p:nvGraphicFramePr>
+          <p:cNvPr id="4" name="Объект 3"/>
+          <p:cNvGraphicFramePr>
+            <a:graphicFrameLocks noGrp="1"/>
+          </p:cNvGraphicFramePr>
+          <p:nvPr>
+            <p:ph idx="1"/>
+            <p:extLst>
+              <p:ext uri="{D42A27DB-BD31-4B8C-83A1-F6EECF244321}">
+                <p14:modId xmlns:p14="http://schemas.microsoft.com/office/powerpoint/2010/main" val="2114949039"/>
+              </p:ext>
+            </p:extLst>
+          </p:nvPr>
+        </p:nvGraphicFramePr>
+        <p:xfrm>
+          <a:off x="857250" y="2057400"/>
+          <a:ext cx="7404100" cy="1112520"/>
+        </p:xfrm>
+        <a:graphic>
+          <a:graphicData uri="http://schemas.openxmlformats.org/drawingml/2006/table">
+            <a:tbl>
+              <a:tblPr firstRow="1" bandRow="1">
+                <a:tableStyleId>{5C22544A-7EE6-4342-B048-85BDC9FD1C3A}</a:tableStyleId>
+              </a:tblPr>
+              <a:tblGrid>
+                <a:gridCol w="1410494"/>
+                <a:gridCol w="5993606"/>
+              </a:tblGrid>
+              <a:tr h="370840">
+                <a:tc>
+                  <a:txBody>
+                    <a:bodyPr/>
+                    <a:lstStyle/>
+                    <a:p>
+                      <a:pPr algn="ctr"/>
+                      <a:r>
+                        <a:rPr lang="ru-RU" dirty="0" smtClean="0"/>
+                        <a:t>№</a:t>
+                      </a:r>
+                      <a:endParaRPr lang="ru-RU" dirty="0"/>
+                    </a:p>
+                  </a:txBody>
+                  <a:tcPr/>
+                </a:tc>
+                <a:tc>
+                  <a:txBody>
+                    <a:bodyPr/>
+                    <a:lstStyle/>
+                    <a:p>
+                      <a:r>
+                        <a:rPr lang="ru-RU" dirty="0" smtClean="0"/>
+                        <a:t>Название программного решения</a:t>
+                      </a:r>
+                      <a:endParaRPr lang="ru-RU" dirty="0"/>
+                    </a:p>
+                  </a:txBody>
+                  <a:tcPr/>
+                </a:tc>
+              </a:tr>
+              <a:tr h="370840">
+                <a:tc>
+                  <a:txBody>
+                    <a:bodyPr/>
+                    <a:lstStyle/>
+                    <a:p>
+                      <a:pPr algn="ctr"/>
+                      <a:r>
+                        <a:rPr lang="ru-RU" dirty="0" smtClean="0"/>
+                        <a:t>1</a:t>
+                      </a:r>
+                      <a:endParaRPr lang="ru-RU" dirty="0"/>
+                    </a:p>
+                  </a:txBody>
+                  <a:tcPr/>
+                </a:tc>
+                <a:tc>
+                  <a:txBody>
+                    <a:bodyPr/>
+                    <a:lstStyle/>
+                    <a:p>
+                      <a:r>
+                        <a:rPr lang="ru-RU" dirty="0" smtClean="0"/>
+                        <a:t>«Танки в лабиринте»</a:t>
+                      </a:r>
+                      <a:endParaRPr lang="ru-RU" dirty="0"/>
+                    </a:p>
+                  </a:txBody>
+                  <a:tcPr/>
+                </a:tc>
+              </a:tr>
+              <a:tr h="370840">
+                <a:tc>
+                  <a:txBody>
+                    <a:bodyPr/>
+                    <a:lstStyle/>
+                    <a:p>
+                      <a:pPr algn="ctr"/>
+                      <a:r>
+                        <a:rPr lang="ru-RU" dirty="0" smtClean="0"/>
+                        <a:t>2</a:t>
+                      </a:r>
+                      <a:endParaRPr lang="ru-RU" dirty="0"/>
+                    </a:p>
+                  </a:txBody>
+                  <a:tcPr/>
+                </a:tc>
+                <a:tc>
+                  <a:txBody>
+                    <a:bodyPr/>
+                    <a:lstStyle/>
+                    <a:p>
+                      <a:r>
+                        <a:rPr lang="ru-RU" sz="1800" b="0" i="0" u="none" strike="noStrike" kern="1200" dirty="0" smtClean="0">
+                          <a:solidFill>
+                            <a:schemeClr val="dk1"/>
+                          </a:solidFill>
+                          <a:effectLst/>
+                          <a:latin typeface="+mn-lt"/>
+                          <a:ea typeface="+mn-ea"/>
+                          <a:cs typeface="+mn-cs"/>
+                        </a:rPr>
+                        <a:t>«</a:t>
+                      </a:r>
+                      <a:r>
+                        <a:rPr lang="en-US" sz="1800" b="0" i="0" u="none" strike="noStrike" kern="1200" dirty="0" smtClean="0">
+                          <a:solidFill>
+                            <a:schemeClr val="dk1"/>
+                          </a:solidFill>
+                          <a:effectLst/>
+                          <a:latin typeface="+mn-lt"/>
+                          <a:ea typeface="+mn-ea"/>
+                          <a:cs typeface="+mn-cs"/>
+                        </a:rPr>
+                        <a:t>Battle City</a:t>
+                      </a:r>
+                      <a:r>
+                        <a:rPr lang="ru-RU" sz="1800" b="0" i="0" u="none" strike="noStrike" kern="1200" dirty="0" smtClean="0">
+                          <a:solidFill>
+                            <a:schemeClr val="dk1"/>
+                          </a:solidFill>
+                          <a:effectLst/>
+                          <a:latin typeface="+mn-lt"/>
+                          <a:ea typeface="+mn-ea"/>
+                          <a:cs typeface="+mn-cs"/>
+                        </a:rPr>
+                        <a:t>»</a:t>
+                      </a:r>
+                      <a:endParaRPr lang="ru-RU" dirty="0"/>
+                    </a:p>
+                  </a:txBody>
+                  <a:tcPr/>
+                </a:tc>
+              </a:tr>
+            </a:tbl>
+          </a:graphicData>
+        </a:graphic>
+      </p:graphicFrame>
     </p:spTree>
     <p:extLst>
       <p:ext uri="{BB962C8B-B14F-4D97-AF65-F5344CB8AC3E}">
@@ -4828,105 +5489,69 @@
           <a:p>
             <a:pPr algn="ctr"/>
             <a:r>
-              <a:rPr lang="ru-RU" dirty="0" smtClean="0"/>
-              <a:t>Игровой процесс</a:t>
+              <a:rPr lang="ru-RU" dirty="0"/>
+              <a:t>Алгоритм (сценарий) решения задачи</a:t>
             </a:r>
             <a:endParaRPr lang="ru-RU" dirty="0"/>
           </a:p>
         </p:txBody>
       </p:sp>
-      <p:sp>
-        <p:nvSpPr>
-          <p:cNvPr id="5" name="Объект 4"/>
-          <p:cNvSpPr>
-            <a:spLocks noGrp="1"/>
-          </p:cNvSpPr>
+      <p:pic>
+        <p:nvPicPr>
+          <p:cNvPr id="2050" name="Picture 2" descr="Алгоритм решения"/>
+          <p:cNvPicPr>
+            <a:picLocks noGrp="1" noChangeAspect="1" noChangeArrowheads="1"/>
+          </p:cNvPicPr>
           <p:nvPr>
             <p:ph idx="1"/>
           </p:nvPr>
-        </p:nvSpPr>
-        <p:spPr/>
-        <p:txBody>
-          <a:bodyPr/>
-          <a:lstStyle/>
-          <a:p>
-            <a:pPr marL="45720" indent="0">
-              <a:buNone/>
-            </a:pPr>
-            <a:r>
-              <a:rPr lang="ru-RU" dirty="0" smtClean="0"/>
-              <a:t>Начать разбор игрового процесса стоит с управления.</a:t>
-            </a:r>
-          </a:p>
-          <a:p>
-            <a:pPr marL="45720" indent="0">
-              <a:buNone/>
-            </a:pPr>
-            <a:r>
-              <a:rPr lang="ru-RU" dirty="0" smtClean="0"/>
-              <a:t>Всего в управлении задействованы 5-ть кнопок </a:t>
-            </a:r>
-          </a:p>
-          <a:p>
-            <a:r>
-              <a:rPr lang="en-US" dirty="0" smtClean="0"/>
-              <a:t>W, A, S, D</a:t>
-            </a:r>
-            <a:r>
-              <a:rPr lang="ru-RU" dirty="0" smtClean="0"/>
-              <a:t> (или </a:t>
-            </a:r>
-            <a:r>
-              <a:rPr lang="ru-RU" b="1" dirty="0"/>
-              <a:t>↑ </a:t>
-            </a:r>
-            <a:r>
-              <a:rPr lang="ru-RU" b="1" dirty="0" smtClean="0"/>
-              <a:t>←</a:t>
-            </a:r>
-            <a:r>
-              <a:rPr lang="ru-RU" b="1" dirty="0"/>
-              <a:t> ↓</a:t>
-            </a:r>
-            <a:r>
-              <a:rPr lang="ru-RU" b="1" dirty="0" smtClean="0"/>
-              <a:t> →</a:t>
-            </a:r>
-            <a:r>
-              <a:rPr lang="ru-RU" dirty="0" smtClean="0"/>
-              <a:t>) – перемещение</a:t>
-            </a:r>
-          </a:p>
-          <a:p>
-            <a:r>
-              <a:rPr lang="en-US" dirty="0" smtClean="0"/>
-              <a:t>Space (</a:t>
-            </a:r>
-            <a:r>
-              <a:rPr lang="ru-RU" dirty="0" smtClean="0"/>
-              <a:t>Пробел</a:t>
-            </a:r>
-            <a:r>
-              <a:rPr lang="en-US" dirty="0" smtClean="0"/>
-              <a:t>)</a:t>
-            </a:r>
-            <a:r>
-              <a:rPr lang="ru-RU" dirty="0" smtClean="0"/>
-              <a:t> – стрельба</a:t>
-            </a:r>
-          </a:p>
-          <a:p>
-            <a:pPr marL="45720" indent="0">
-              <a:buNone/>
-            </a:pPr>
-            <a:r>
-              <a:rPr lang="ru-RU" dirty="0" smtClean="0"/>
-              <a:t>Лёгкое и понятное управление не создаёт трудностей для новых игроков.</a:t>
-            </a:r>
-            <a:endParaRPr lang="ru-RU" dirty="0"/>
-          </a:p>
-        </p:txBody>
-      </p:sp>
+        </p:nvPicPr>
+        <p:blipFill>
+          <a:blip r:embed="rId2">
+            <a:extLst>
+              <a:ext uri="{28A0092B-C50C-407E-A947-70E740481C1C}">
+                <a14:useLocalDpi xmlns:a14="http://schemas.microsoft.com/office/drawing/2010/main" val="0"/>
+              </a:ext>
+            </a:extLst>
+          </a:blip>
+          <a:srcRect/>
+          <a:stretch>
+            <a:fillRect/>
+          </a:stretch>
+        </p:blipFill>
+        <p:spPr bwMode="auto">
+          <a:xfrm>
+            <a:off x="683568" y="2276872"/>
+            <a:ext cx="7756440" cy="3443245"/>
+          </a:xfrm>
+          <a:prstGeom prst="rect">
+            <a:avLst/>
+          </a:prstGeom>
+          <a:noFill/>
+          <a:ln>
+            <a:noFill/>
+          </a:ln>
+          <a:extLst>
+            <a:ext uri="{909E8E84-426E-40DD-AFC4-6F175D3DCCD1}">
+              <a14:hiddenFill xmlns:a14="http://schemas.microsoft.com/office/drawing/2010/main">
+                <a:solidFill>
+                  <a:srgbClr val="FFFFFF"/>
+                </a:solidFill>
+              </a14:hiddenFill>
+            </a:ext>
+            <a:ext uri="{91240B29-F687-4F45-9708-019B960494DF}">
+              <a14:hiddenLine xmlns:a14="http://schemas.microsoft.com/office/drawing/2010/main" w="9525">
+                <a:solidFill>
+                  <a:srgbClr val="000000"/>
+                </a:solidFill>
+                <a:miter lim="800000"/>
+                <a:headEnd/>
+                <a:tailEnd/>
+              </a14:hiddenLine>
+            </a:ext>
+          </a:extLst>
+        </p:spPr>
+      </p:pic>
     </p:spTree>
     <p:extLst>
       <p:ext uri="{BB962C8B-B14F-4D97-AF65-F5344CB8AC3E}">
@@ -4966,145 +5591,277 @@
       </p:grpSpPr>
       <p:sp>
         <p:nvSpPr>
-          <p:cNvPr id="5" name="Объект 4"/>
-          <p:cNvSpPr>
-            <a:spLocks noGrp="1"/>
-          </p:cNvSpPr>
-          <p:nvPr>
-            <p:ph sz="half" idx="1"/>
-          </p:nvPr>
-        </p:nvSpPr>
-        <p:spPr>
-          <a:xfrm>
-            <a:off x="827584" y="908720"/>
-            <a:ext cx="4002782" cy="5040560"/>
-          </a:xfrm>
-        </p:spPr>
-        <p:txBody>
-          <a:bodyPr>
-            <a:normAutofit lnSpcReduction="10000"/>
-          </a:bodyPr>
+          <p:cNvPr id="2" name="Заголовок 1"/>
+          <p:cNvSpPr>
+            <a:spLocks noGrp="1"/>
+          </p:cNvSpPr>
+          <p:nvPr>
+            <p:ph type="title"/>
+          </p:nvPr>
+        </p:nvSpPr>
+        <p:spPr/>
+        <p:txBody>
+          <a:bodyPr/>
           <a:lstStyle/>
           <a:p>
-            <a:pPr marL="45720" indent="0">
-              <a:buNone/>
-            </a:pPr>
-            <a:r>
-              <a:rPr lang="ru-RU" dirty="0" smtClean="0"/>
-              <a:t>Игровое пространство представляет собой случайно сгенерированный </a:t>
-            </a:r>
-            <a:r>
-              <a:rPr lang="ru-RU" dirty="0" smtClean="0"/>
-              <a:t>лабиринт, </a:t>
-            </a:r>
-            <a:r>
-              <a:rPr lang="ru-RU" dirty="0" smtClean="0"/>
-              <a:t>в котором появляются игроки.</a:t>
-            </a:r>
-          </a:p>
-          <a:p>
-            <a:pPr marL="45720" indent="0">
-              <a:buNone/>
-            </a:pPr>
-            <a:r>
-              <a:rPr lang="ru-RU" dirty="0" smtClean="0"/>
-              <a:t>Задача каждого игрока уничтожить </a:t>
-            </a:r>
-            <a:r>
-              <a:rPr lang="ru-RU" dirty="0" smtClean="0"/>
-              <a:t>всех оппонентов </a:t>
-            </a:r>
-            <a:r>
-              <a:rPr lang="ru-RU" dirty="0" smtClean="0"/>
-              <a:t>и при этом остаться единственным в лабиринте.</a:t>
-            </a:r>
-          </a:p>
-          <a:p>
-            <a:pPr marL="45720" indent="0">
-              <a:buNone/>
-            </a:pPr>
-            <a:r>
-              <a:rPr lang="ru-RU" dirty="0" smtClean="0"/>
-              <a:t>После того как в лабиринте останется один игрок или же никого не останется, происходит перезапуск уровня, но уже с совершенно новым лабиринтом, что может создавать практически бесконечную </a:t>
-            </a:r>
-            <a:r>
-              <a:rPr lang="ru-RU" dirty="0" err="1" smtClean="0"/>
-              <a:t>реиграбельность</a:t>
-            </a:r>
-            <a:r>
-              <a:rPr lang="ru-RU" dirty="0" smtClean="0"/>
-              <a:t>.</a:t>
+            <a:r>
+              <a:rPr lang="ru-RU" dirty="0"/>
+              <a:t>Таблица инструментов, сред, языков</a:t>
             </a:r>
             <a:endParaRPr lang="ru-RU" dirty="0"/>
           </a:p>
         </p:txBody>
       </p:sp>
-      <p:pic>
-        <p:nvPicPr>
-          <p:cNvPr id="7" name="Picture 3"/>
-          <p:cNvPicPr>
-            <a:picLocks noGrp="1" noChangeAspect="1" noChangeArrowheads="1"/>
-          </p:cNvPicPr>
-          <p:nvPr>
-            <p:ph sz="half" idx="2"/>
-          </p:nvPr>
-        </p:nvPicPr>
-        <p:blipFill>
-          <a:blip r:embed="rId2" cstate="print">
-            <a:extLst>
-              <a:ext uri="{28A0092B-C50C-407E-A947-70E740481C1C}">
-                <a14:useLocalDpi xmlns:a14="http://schemas.microsoft.com/office/drawing/2010/main" val="0"/>
-              </a:ext>
-            </a:extLst>
-          </a:blip>
-          <a:srcRect/>
-          <a:stretch>
-            <a:fillRect/>
-          </a:stretch>
-        </p:blipFill>
-        <p:spPr bwMode="auto">
-          <a:xfrm>
-            <a:off x="4932040" y="908720"/>
-            <a:ext cx="3943663" cy="3077135"/>
-          </a:xfrm>
-          <a:prstGeom prst="rect">
-            <a:avLst/>
-          </a:prstGeom>
-          <a:noFill/>
-          <a:ln>
-            <a:noFill/>
-          </a:ln>
-          <a:effectLst/>
-          <a:extLst>
-            <a:ext uri="{909E8E84-426E-40DD-AFC4-6F175D3DCCD1}">
-              <a14:hiddenFill xmlns:a14="http://schemas.microsoft.com/office/drawing/2010/main">
-                <a:solidFill>
-                  <a:schemeClr val="accent1"/>
-                </a:solidFill>
-              </a14:hiddenFill>
-            </a:ext>
-            <a:ext uri="{91240B29-F687-4F45-9708-019B960494DF}">
-              <a14:hiddenLine xmlns:a14="http://schemas.microsoft.com/office/drawing/2010/main" w="9525">
-                <a:solidFill>
-                  <a:schemeClr val="tx1"/>
-                </a:solidFill>
-                <a:miter lim="800000"/>
-                <a:headEnd/>
-                <a:tailEnd/>
-              </a14:hiddenLine>
-            </a:ext>
-            <a:ext uri="{AF507438-7753-43E0-B8FC-AC1667EBCBE1}">
-              <a14:hiddenEffects xmlns:a14="http://schemas.microsoft.com/office/drawing/2010/main">
-                <a:effectLst>
-                  <a:outerShdw dist="35921" dir="2700000" algn="ctr" rotWithShape="0">
-                    <a:schemeClr val="bg2"/>
-                  </a:outerShdw>
-                </a:effectLst>
-              </a14:hiddenEffects>
-            </a:ext>
-          </a:extLst>
-        </p:spPr>
-      </p:pic>
+      <p:graphicFrame>
+        <p:nvGraphicFramePr>
+          <p:cNvPr id="3" name="Объект 2"/>
+          <p:cNvGraphicFramePr>
+            <a:graphicFrameLocks noGrp="1"/>
+          </p:cNvGraphicFramePr>
+          <p:nvPr>
+            <p:ph idx="1"/>
+            <p:extLst>
+              <p:ext uri="{D42A27DB-BD31-4B8C-83A1-F6EECF244321}">
+                <p14:modId xmlns:p14="http://schemas.microsoft.com/office/powerpoint/2010/main" val="3543809557"/>
+              </p:ext>
+            </p:extLst>
+          </p:nvPr>
+        </p:nvGraphicFramePr>
+        <p:xfrm>
+          <a:off x="857250" y="2057400"/>
+          <a:ext cx="7404100" cy="2565400"/>
+        </p:xfrm>
+        <a:graphic>
+          <a:graphicData uri="http://schemas.openxmlformats.org/drawingml/2006/table">
+            <a:tbl>
+              <a:tblPr firstRow="1" bandRow="1">
+                <a:tableStyleId>{5C22544A-7EE6-4342-B048-85BDC9FD1C3A}</a:tableStyleId>
+              </a:tblPr>
+              <a:tblGrid>
+                <a:gridCol w="565330"/>
+                <a:gridCol w="3419385"/>
+                <a:gridCol w="3419385"/>
+              </a:tblGrid>
+              <a:tr h="370840">
+                <a:tc>
+                  <a:txBody>
+                    <a:bodyPr/>
+                    <a:lstStyle/>
+                    <a:p>
+                      <a:pPr algn="ctr"/>
+                      <a:r>
+                        <a:rPr lang="ru-RU" dirty="0" smtClean="0"/>
+                        <a:t>№</a:t>
+                      </a:r>
+                      <a:endParaRPr lang="ru-RU" dirty="0"/>
+                    </a:p>
+                  </a:txBody>
+                  <a:tcPr/>
+                </a:tc>
+                <a:tc>
+                  <a:txBody>
+                    <a:bodyPr/>
+                    <a:lstStyle/>
+                    <a:p>
+                      <a:r>
+                        <a:rPr lang="ru-RU" dirty="0" smtClean="0"/>
+                        <a:t>Инструмент, среда, язык</a:t>
+                      </a:r>
+                      <a:endParaRPr lang="ru-RU" dirty="0"/>
+                    </a:p>
+                  </a:txBody>
+                  <a:tcPr/>
+                </a:tc>
+                <a:tc>
+                  <a:txBody>
+                    <a:bodyPr/>
+                    <a:lstStyle/>
+                    <a:p>
+                      <a:r>
+                        <a:rPr lang="ru-RU" dirty="0" smtClean="0"/>
+                        <a:t>Критерии</a:t>
+                      </a:r>
+                      <a:r>
+                        <a:rPr lang="ru-RU" baseline="0" dirty="0" smtClean="0"/>
+                        <a:t> выбора</a:t>
+                      </a:r>
+                      <a:endParaRPr lang="ru-RU" dirty="0"/>
+                    </a:p>
+                  </a:txBody>
+                  <a:tcPr/>
+                </a:tc>
+              </a:tr>
+              <a:tr h="370840">
+                <a:tc>
+                  <a:txBody>
+                    <a:bodyPr/>
+                    <a:lstStyle/>
+                    <a:p>
+                      <a:pPr algn="ctr"/>
+                      <a:r>
+                        <a:rPr lang="ru-RU" dirty="0" smtClean="0"/>
+                        <a:t>1</a:t>
+                      </a:r>
+                      <a:endParaRPr lang="ru-RU" dirty="0"/>
+                    </a:p>
+                  </a:txBody>
+                  <a:tcPr/>
+                </a:tc>
+                <a:tc>
+                  <a:txBody>
+                    <a:bodyPr/>
+                    <a:lstStyle/>
+                    <a:p>
+                      <a:r>
+                        <a:rPr lang="en-US" dirty="0" smtClean="0"/>
+                        <a:t>Unity</a:t>
+                      </a:r>
+                      <a:endParaRPr lang="ru-RU" dirty="0"/>
+                    </a:p>
+                  </a:txBody>
+                  <a:tcPr/>
+                </a:tc>
+                <a:tc>
+                  <a:txBody>
+                    <a:bodyPr/>
+                    <a:lstStyle/>
+                    <a:p>
+                      <a:r>
+                        <a:rPr lang="ru-RU" dirty="0" smtClean="0"/>
+                        <a:t>Отлично подходит для создания 2</a:t>
+                      </a:r>
+                      <a:r>
+                        <a:rPr lang="en-US" dirty="0" smtClean="0"/>
+                        <a:t>D </a:t>
+                      </a:r>
+                      <a:r>
+                        <a:rPr lang="ru-RU" dirty="0" smtClean="0"/>
+                        <a:t>игр</a:t>
+                      </a:r>
+                      <a:endParaRPr lang="ru-RU" dirty="0"/>
+                    </a:p>
+                  </a:txBody>
+                  <a:tcPr/>
+                </a:tc>
+              </a:tr>
+              <a:tr h="370840">
+                <a:tc>
+                  <a:txBody>
+                    <a:bodyPr/>
+                    <a:lstStyle/>
+                    <a:p>
+                      <a:pPr algn="ctr"/>
+                      <a:r>
+                        <a:rPr lang="ru-RU" dirty="0" smtClean="0"/>
+                        <a:t>2</a:t>
+                      </a:r>
+                      <a:endParaRPr lang="ru-RU" dirty="0"/>
+                    </a:p>
+                  </a:txBody>
+                  <a:tcPr/>
+                </a:tc>
+                <a:tc>
+                  <a:txBody>
+                    <a:bodyPr/>
+                    <a:lstStyle/>
+                    <a:p>
+                      <a:r>
+                        <a:rPr lang="ru-RU" dirty="0" smtClean="0"/>
+                        <a:t>С</a:t>
+                      </a:r>
+                      <a:r>
+                        <a:rPr lang="en-US" dirty="0" smtClean="0"/>
+                        <a:t>#</a:t>
+                      </a:r>
+                      <a:endParaRPr lang="ru-RU" dirty="0"/>
+                    </a:p>
+                  </a:txBody>
+                  <a:tcPr/>
+                </a:tc>
+                <a:tc>
+                  <a:txBody>
+                    <a:bodyPr/>
+                    <a:lstStyle/>
+                    <a:p>
+                      <a:r>
+                        <a:rPr lang="ru-RU" dirty="0" smtClean="0"/>
+                        <a:t>Язык программирования</a:t>
+                      </a:r>
+                      <a:r>
+                        <a:rPr lang="ru-RU" baseline="0" dirty="0" smtClean="0"/>
+                        <a:t> поддерживаемый средой </a:t>
+                      </a:r>
+                      <a:r>
+                        <a:rPr lang="en-US" baseline="0" dirty="0" smtClean="0"/>
+                        <a:t>Unity</a:t>
+                      </a:r>
+                      <a:endParaRPr lang="ru-RU" dirty="0"/>
+                    </a:p>
+                  </a:txBody>
+                  <a:tcPr/>
+                </a:tc>
+              </a:tr>
+              <a:tr h="370840">
+                <a:tc>
+                  <a:txBody>
+                    <a:bodyPr/>
+                    <a:lstStyle/>
+                    <a:p>
+                      <a:pPr algn="ctr"/>
+                      <a:r>
+                        <a:rPr lang="ru-RU" dirty="0" smtClean="0"/>
+                        <a:t>3</a:t>
+                      </a:r>
+                      <a:endParaRPr lang="ru-RU" dirty="0"/>
+                    </a:p>
+                  </a:txBody>
+                  <a:tcPr/>
+                </a:tc>
+                <a:tc>
+                  <a:txBody>
+                    <a:bodyPr/>
+                    <a:lstStyle/>
+                    <a:p>
+                      <a:r>
+                        <a:rPr lang="en-US" dirty="0" smtClean="0"/>
+                        <a:t>Photon</a:t>
+                      </a:r>
+                      <a:r>
+                        <a:rPr lang="en-US" baseline="0" dirty="0" smtClean="0"/>
+                        <a:t> Pun2</a:t>
+                      </a:r>
+                      <a:endParaRPr lang="ru-RU" dirty="0"/>
+                    </a:p>
+                  </a:txBody>
+                  <a:tcPr/>
+                </a:tc>
+                <a:tc>
+                  <a:txBody>
+                    <a:bodyPr/>
+                    <a:lstStyle/>
+                    <a:p>
+                      <a:r>
+                        <a:rPr lang="ru-RU" dirty="0" smtClean="0"/>
+                        <a:t>Среда для разработки онлайн игр,</a:t>
+                      </a:r>
+                      <a:r>
+                        <a:rPr lang="ru-RU" baseline="0" dirty="0" smtClean="0"/>
+                        <a:t> которая поддерживается в </a:t>
+                      </a:r>
+                      <a:r>
+                        <a:rPr lang="en-US" baseline="0" dirty="0" smtClean="0"/>
+                        <a:t>Unity </a:t>
+                      </a:r>
+                      <a:endParaRPr lang="ru-RU" dirty="0"/>
+                    </a:p>
+                  </a:txBody>
+                  <a:tcPr/>
+                </a:tc>
+              </a:tr>
+            </a:tbl>
+          </a:graphicData>
+        </a:graphic>
+      </p:graphicFrame>
     </p:spTree>
     <p:extLst>
       <p:ext uri="{BB962C8B-B14F-4D97-AF65-F5344CB8AC3E}">
@@ -5144,56 +5901,22 @@
       </p:grpSpPr>
       <p:sp>
         <p:nvSpPr>
-          <p:cNvPr id="5" name="Объект 4"/>
-          <p:cNvSpPr>
-            <a:spLocks noGrp="1"/>
-          </p:cNvSpPr>
-          <p:nvPr>
-            <p:ph sz="half" idx="1"/>
-          </p:nvPr>
-        </p:nvSpPr>
-        <p:spPr>
-          <a:xfrm>
-            <a:off x="857250" y="908720"/>
-            <a:ext cx="3858766" cy="5172039"/>
-          </a:xfrm>
-        </p:spPr>
+          <p:cNvPr id="2" name="Заголовок 1"/>
+          <p:cNvSpPr>
+            <a:spLocks noGrp="1"/>
+          </p:cNvSpPr>
+          <p:nvPr>
+            <p:ph type="title"/>
+          </p:nvPr>
+        </p:nvSpPr>
+        <p:spPr/>
         <p:txBody>
           <a:bodyPr/>
           <a:lstStyle/>
           <a:p>
-            <a:pPr marL="45720" indent="0" algn="ctr">
-              <a:buNone/>
-            </a:pPr>
-            <a:r>
-              <a:rPr lang="ru-RU" b="1" dirty="0" smtClean="0"/>
-              <a:t>Бонусы</a:t>
-            </a:r>
-          </a:p>
-          <a:p>
-            <a:pPr marL="45720" indent="0">
-              <a:buNone/>
-            </a:pPr>
-            <a:r>
-              <a:rPr lang="ru-RU" dirty="0" smtClean="0"/>
-              <a:t>Раз в определённое количество времени </a:t>
-            </a:r>
-            <a:r>
-              <a:rPr lang="ru-RU" dirty="0" smtClean="0"/>
-              <a:t>внутри лабиринта появляется </a:t>
-            </a:r>
-            <a:r>
-              <a:rPr lang="ru-RU" dirty="0" smtClean="0"/>
-              <a:t>специальный бонус, который даёт новое вооружение. </a:t>
-            </a:r>
-          </a:p>
-          <a:p>
-            <a:pPr marL="45720" indent="0">
-              <a:buNone/>
-            </a:pPr>
-            <a:r>
-              <a:rPr lang="ru-RU" dirty="0" smtClean="0"/>
-              <a:t>Это создаёт более интересные игровые ситуации и добавляет в игру элементы тактики, так как разное вооружение может быть полезнее при различных ситуациях.</a:t>
+            <a:r>
+              <a:rPr lang="ru-RU" dirty="0"/>
+              <a:t>Структура главного модуля</a:t>
             </a:r>
             <a:endParaRPr lang="ru-RU" dirty="0"/>
           </a:p>
@@ -5201,12 +5924,12 @@
       </p:sp>
       <p:pic>
         <p:nvPicPr>
-          <p:cNvPr id="6148" name="Picture 4"/>
+          <p:cNvPr id="3074" name="Picture 2" descr="Главный модуль"/>
           <p:cNvPicPr>
             <a:picLocks noGrp="1" noChangeAspect="1" noChangeArrowheads="1"/>
           </p:cNvPicPr>
           <p:nvPr>
-            <p:ph sz="half" idx="2"/>
+            <p:ph idx="1"/>
           </p:nvPr>
         </p:nvPicPr>
         <p:blipFill>
@@ -5224,8 +5947,8 @@
         </p:blipFill>
         <p:spPr bwMode="auto">
           <a:xfrm>
-            <a:off x="5508104" y="1844824"/>
-            <a:ext cx="3008641" cy="3080276"/>
+            <a:off x="3563888" y="2132856"/>
+            <a:ext cx="1571674" cy="3779811"/>
           </a:xfrm>
           <a:prstGeom prst="rect">
             <a:avLst/>
@@ -5234,33 +5957,23 @@
           <a:ln>
             <a:noFill/>
           </a:ln>
-          <a:effectLst/>
           <a:extLst>
             <a:ext uri="{909E8E84-426E-40DD-AFC4-6F175D3DCCD1}">
               <a14:hiddenFill xmlns:a14="http://schemas.microsoft.com/office/drawing/2010/main">
                 <a:solidFill>
-                  <a:schemeClr val="accent1"/>
+                  <a:srgbClr val="FFFFFF"/>
                 </a:solidFill>
               </a14:hiddenFill>
             </a:ext>
             <a:ext uri="{91240B29-F687-4F45-9708-019B960494DF}">
               <a14:hiddenLine xmlns:a14="http://schemas.microsoft.com/office/drawing/2010/main" w="9525">
                 <a:solidFill>
-                  <a:schemeClr val="tx1"/>
+                  <a:srgbClr val="000000"/>
                 </a:solidFill>
                 <a:miter lim="800000"/>
                 <a:headEnd/>
                 <a:tailEnd/>
               </a14:hiddenLine>
-            </a:ext>
-            <a:ext uri="{AF507438-7753-43E0-B8FC-AC1667EBCBE1}">
-              <a14:hiddenEffects xmlns:a14="http://schemas.microsoft.com/office/drawing/2010/main">
-                <a:effectLst>
-                  <a:outerShdw dist="35921" dir="2700000" algn="ctr" rotWithShape="0">
-                    <a:schemeClr val="bg2"/>
-                  </a:outerShdw>
-                </a:effectLst>
-              </a14:hiddenEffects>
             </a:ext>
           </a:extLst>
         </p:spPr>
@@ -5516,7 +6229,7 @@
   <a:extraClrSchemeLst/>
   <a:extLst>
     <a:ext uri="{05A4C25C-085E-4340-85A3-A5531E510DB2}">
-      <thm15:themeFamily xmlns:thm15="http://schemas.microsoft.com/office/thememl/2012/main" xmlns="" name="Basis" id="{5665723A-49BA-4B57-8411-A56F8F207965}" vid="{90E45F77-AEFC-46EF-A7C1-5B338C297B02}"/>
+      <thm15:themeFamily xmlns="" xmlns:thm15="http://schemas.microsoft.com/office/thememl/2012/main" name="Basis" id="{5665723A-49BA-4B57-8411-A56F8F207965}" vid="{90E45F77-AEFC-46EF-A7C1-5B338C297B02}"/>
     </a:ext>
   </a:extLst>
 </a:theme>

--- a/Презентация Братцев.pptx
+++ b/Презентация Братцев.pptx
@@ -313,7 +313,7 @@
             <a:fld id="{E30E2307-1E40-4E12-8716-25BFDA8E7013}" type="datetime1">
               <a:rPr lang="en-US" smtClean="0"/>
               <a:pPr/>
-              <a:t>5/21/2020</a:t>
+              <a:t>5/22/2020</a:t>
             </a:fld>
             <a:endParaRPr lang="en-US"/>
           </a:p>
@@ -535,7 +535,7 @@
             <a:fld id="{E5CFCF5A-EA79-452C-A52C-1A2668C2E7DF}" type="datetime1">
               <a:rPr lang="en-US" smtClean="0"/>
               <a:pPr/>
-              <a:t>5/21/2020</a:t>
+              <a:t>5/22/2020</a:t>
             </a:fld>
             <a:endParaRPr lang="en-US"/>
           </a:p>
@@ -716,7 +716,7 @@
             <a:fld id="{2E5C4C28-BD4B-4892-9A2D-6E19BD753A9A}" type="datetime1">
               <a:rPr lang="en-US" smtClean="0"/>
               <a:pPr/>
-              <a:t>5/21/2020</a:t>
+              <a:t>5/22/2020</a:t>
             </a:fld>
             <a:endParaRPr lang="en-US"/>
           </a:p>
@@ -1159,7 +1159,7 @@
             <a:fld id="{61FD9D02-426E-46C9-9EE9-0DE1EF8B2838}" type="datetime1">
               <a:rPr lang="en-US" smtClean="0"/>
               <a:pPr/>
-              <a:t>5/21/2020</a:t>
+              <a:t>5/22/2020</a:t>
             </a:fld>
             <a:endParaRPr lang="en-US"/>
           </a:p>
@@ -1411,7 +1411,7 @@
             <a:fld id="{7B8AEBBE-F8B2-42CF-9895-E86A608384EB}" type="datetime1">
               <a:rPr lang="en-US" smtClean="0"/>
               <a:pPr/>
-              <a:t>5/21/2020</a:t>
+              <a:t>5/22/2020</a:t>
             </a:fld>
             <a:endParaRPr lang="en-US"/>
           </a:p>
@@ -1735,7 +1735,7 @@
             <a:fld id="{E1FAA6B6-10E5-4810-BC9F-DA72D8452E73}" type="datetime1">
               <a:rPr lang="en-US" smtClean="0"/>
               <a:pPr/>
-              <a:t>5/21/2020</a:t>
+              <a:t>5/22/2020</a:t>
             </a:fld>
             <a:endParaRPr lang="en-US"/>
           </a:p>
@@ -2160,7 +2160,7 @@
             <a:fld id="{6D18D072-EF12-4AA2-BD71-ABC68B06D0E2}" type="datetime1">
               <a:rPr lang="en-US" smtClean="0"/>
               <a:pPr/>
-              <a:t>5/21/2020</a:t>
+              <a:t>5/22/2020</a:t>
             </a:fld>
             <a:endParaRPr lang="en-US"/>
           </a:p>
@@ -2279,7 +2279,7 @@
             <a:fld id="{B8CDBF60-6CC3-4B74-A60D-3486985E4346}" type="datetime1">
               <a:rPr lang="en-US" smtClean="0"/>
               <a:pPr/>
-              <a:t>5/21/2020</a:t>
+              <a:t>5/22/2020</a:t>
             </a:fld>
             <a:endParaRPr lang="en-US"/>
           </a:p>
@@ -2375,7 +2375,7 @@
             <a:fld id="{22714818-984F-4759-BF72-A33BDC1963BD}" type="datetime1">
               <a:rPr lang="en-US" smtClean="0"/>
               <a:pPr/>
-              <a:t>5/21/2020</a:t>
+              <a:t>5/22/2020</a:t>
             </a:fld>
             <a:endParaRPr lang="en-US"/>
           </a:p>
@@ -2666,7 +2666,7 @@
             <a:fld id="{9EA7E191-5F94-4FC1-B823-BD7CABF7FA06}" type="datetime1">
               <a:rPr lang="en-US" smtClean="0"/>
               <a:pPr/>
-              <a:t>5/21/2020</a:t>
+              <a:t>5/22/2020</a:t>
             </a:fld>
             <a:endParaRPr lang="en-US"/>
           </a:p>
@@ -2939,7 +2939,7 @@
             <a:fld id="{88856D55-EFBE-4F9B-8A5F-09D42CA22A9B}" type="datetime1">
               <a:rPr lang="en-US" smtClean="0"/>
               <a:pPr/>
-              <a:t>5/21/2020</a:t>
+              <a:t>5/22/2020</a:t>
             </a:fld>
             <a:endParaRPr lang="en-US"/>
           </a:p>
@@ -3194,7 +3194,7 @@
             <a:fld id="{9D1D110F-3F4E-48D9-B8AA-5D0E825AFDBA}" type="datetime1">
               <a:rPr lang="en-US" smtClean="0"/>
               <a:pPr/>
-              <a:t>5/21/2020</a:t>
+              <a:t>5/22/2020</a:t>
             </a:fld>
             <a:endParaRPr lang="en-US"/>
           </a:p>
@@ -3916,7 +3916,6 @@
               <a:rPr lang="ru-RU" dirty="0"/>
               <a:t>Основные направления деятельности организации (отдела)</a:t>
             </a:r>
-            <a:endParaRPr lang="ru-RU" dirty="0"/>
           </a:p>
         </p:txBody>
       </p:sp>
@@ -4053,7 +4052,6 @@
               <a:rPr lang="ru-RU" dirty="0"/>
               <a:t>Основные количественные показатели деятельности организации (отдела)</a:t>
             </a:r>
-            <a:endParaRPr lang="ru-RU" dirty="0"/>
           </a:p>
         </p:txBody>
       </p:sp>
@@ -4280,12 +4278,12 @@
                         </a:spcAft>
                       </a:pPr>
                       <a:r>
-                        <a:rPr lang="ru-RU" sz="1400">
+                        <a:rPr lang="ru-RU" sz="1400" dirty="0">
                           <a:effectLst/>
                         </a:rPr>
                         <a:t>МДК 03.01 Технология разработки программного обеспечения</a:t>
                       </a:r>
-                      <a:endParaRPr lang="ru-RU" sz="1100">
+                      <a:endParaRPr lang="ru-RU" sz="1100" dirty="0">
                         <a:effectLst/>
                         <a:latin typeface="Calibri"/>
                         <a:ea typeface="Calibri"/>
@@ -4309,12 +4307,12 @@
                         </a:spcAft>
                       </a:pPr>
                       <a:r>
-                        <a:rPr lang="ru-RU" sz="1400">
+                        <a:rPr lang="ru-RU" sz="1400" dirty="0">
                           <a:effectLst/>
                         </a:rPr>
                         <a:t>09.02.03</a:t>
                       </a:r>
-                      <a:endParaRPr lang="ru-RU" sz="1100">
+                      <a:endParaRPr lang="ru-RU" sz="1100" dirty="0">
                         <a:effectLst/>
                         <a:latin typeface="Calibri"/>
                         <a:ea typeface="Calibri"/>
@@ -4740,37 +4738,35 @@
               <a:rPr lang="ru-RU" dirty="0"/>
               <a:t>Схема локальной сети с указанием сотрудников и используемого ПО</a:t>
             </a:r>
-            <a:endParaRPr lang="ru-RU" dirty="0"/>
           </a:p>
         </p:txBody>
       </p:sp>
       <p:pic>
         <p:nvPicPr>
-          <p:cNvPr id="6" name="Объект 5"/>
+          <p:cNvPr id="5" name="Объект 5"/>
           <p:cNvPicPr>
             <a:picLocks noGrp="1"/>
           </p:cNvPicPr>
           <p:nvPr>
-            <p:ph idx="1"/>
+            <p:ph sz="half" idx="2"/>
           </p:nvPr>
         </p:nvPicPr>
         <p:blipFill>
-          <a:blip r:embed="rId2">
+          <a:blip r:embed="rId2" cstate="print">
             <a:extLst>
               <a:ext uri="{28A0092B-C50C-407E-A947-70E740481C1C}">
                 <a14:useLocalDpi xmlns:a14="http://schemas.microsoft.com/office/drawing/2010/main" val="0"/>
               </a:ext>
             </a:extLst>
           </a:blip>
-          <a:srcRect/>
           <a:stretch>
             <a:fillRect/>
           </a:stretch>
         </p:blipFill>
         <p:spPr bwMode="auto">
           <a:xfrm>
-            <a:off x="857250" y="2164625"/>
-            <a:ext cx="7404100" cy="3824149"/>
+            <a:off x="4202728" y="2708920"/>
+            <a:ext cx="4617744" cy="2952328"/>
           </a:xfrm>
           <a:prstGeom prst="rect">
             <a:avLst/>
@@ -4781,6 +4777,273 @@
           </a:ln>
         </p:spPr>
       </p:pic>
+      <p:graphicFrame>
+        <p:nvGraphicFramePr>
+          <p:cNvPr id="7" name="Объект 6"/>
+          <p:cNvGraphicFramePr>
+            <a:graphicFrameLocks noGrp="1"/>
+          </p:cNvGraphicFramePr>
+          <p:nvPr>
+            <p:ph sz="half" idx="1"/>
+            <p:extLst>
+              <p:ext uri="{D42A27DB-BD31-4B8C-83A1-F6EECF244321}">
+                <p14:modId xmlns:p14="http://schemas.microsoft.com/office/powerpoint/2010/main" val="3387992551"/>
+              </p:ext>
+            </p:extLst>
+          </p:nvPr>
+        </p:nvGraphicFramePr>
+        <p:xfrm>
+          <a:off x="611560" y="2420888"/>
+          <a:ext cx="3528392" cy="3448944"/>
+        </p:xfrm>
+        <a:graphic>
+          <a:graphicData uri="http://schemas.openxmlformats.org/drawingml/2006/table">
+            <a:tbl>
+              <a:tblPr firstRow="1" bandRow="1">
+                <a:tableStyleId>{5C22544A-7EE6-4342-B048-85BDC9FD1C3A}</a:tableStyleId>
+              </a:tblPr>
+              <a:tblGrid>
+                <a:gridCol w="2088232"/>
+                <a:gridCol w="1440160"/>
+              </a:tblGrid>
+              <a:tr h="362799">
+                <a:tc>
+                  <a:txBody>
+                    <a:bodyPr/>
+                    <a:lstStyle/>
+                    <a:p>
+                      <a:r>
+                        <a:rPr lang="ru-RU" dirty="0" smtClean="0"/>
+                        <a:t>Наименование</a:t>
+                      </a:r>
+                      <a:endParaRPr lang="ru-RU" dirty="0"/>
+                    </a:p>
+                  </a:txBody>
+                  <a:tcPr/>
+                </a:tc>
+                <a:tc>
+                  <a:txBody>
+                    <a:bodyPr/>
+                    <a:lstStyle/>
+                    <a:p>
+                      <a:r>
+                        <a:rPr lang="ru-RU" dirty="0" smtClean="0"/>
+                        <a:t>Количество</a:t>
+                      </a:r>
+                      <a:endParaRPr lang="ru-RU" dirty="0"/>
+                    </a:p>
+                  </a:txBody>
+                  <a:tcPr/>
+                </a:tc>
+              </a:tr>
+              <a:tr h="626201">
+                <a:tc>
+                  <a:txBody>
+                    <a:bodyPr/>
+                    <a:lstStyle/>
+                    <a:p>
+                      <a:pPr marL="0" marR="0" indent="0" algn="l" defTabSz="914400" rtl="0" eaLnBrk="1" fontAlgn="auto" latinLnBrk="0" hangingPunct="1">
+                        <a:lnSpc>
+                          <a:spcPct val="100000"/>
+                        </a:lnSpc>
+                        <a:spcBef>
+                          <a:spcPts val="0"/>
+                        </a:spcBef>
+                        <a:spcAft>
+                          <a:spcPts val="0"/>
+                        </a:spcAft>
+                        <a:buClrTx/>
+                        <a:buSzTx/>
+                        <a:buFontTx/>
+                        <a:buNone/>
+                        <a:tabLst/>
+                        <a:defRPr/>
+                      </a:pPr>
+                      <a:r>
+                        <a:rPr lang="ru-RU" sz="1800" dirty="0" smtClean="0">
+                          <a:latin typeface="1 Amazone M" panose="040B0500000000000000" pitchFamily="82" charset="-52"/>
+                        </a:rPr>
+                        <a:t>Стационарный компьютер</a:t>
+                      </a:r>
+                    </a:p>
+                  </a:txBody>
+                  <a:tcPr/>
+                </a:tc>
+                <a:tc>
+                  <a:txBody>
+                    <a:bodyPr/>
+                    <a:lstStyle/>
+                    <a:p>
+                      <a:r>
+                        <a:rPr lang="ru-RU" dirty="0" smtClean="0"/>
+                        <a:t>20 шт.</a:t>
+                      </a:r>
+                      <a:endParaRPr lang="ru-RU" dirty="0"/>
+                    </a:p>
+                  </a:txBody>
+                  <a:tcPr/>
+                </a:tc>
+              </a:tr>
+              <a:tr h="1162944">
+                <a:tc>
+                  <a:txBody>
+                    <a:bodyPr/>
+                    <a:lstStyle/>
+                    <a:p>
+                      <a:pPr marL="0" marR="0" indent="0" algn="l" defTabSz="914400" rtl="0" eaLnBrk="1" fontAlgn="auto" latinLnBrk="0" hangingPunct="1">
+                        <a:lnSpc>
+                          <a:spcPct val="100000"/>
+                        </a:lnSpc>
+                        <a:spcBef>
+                          <a:spcPts val="0"/>
+                        </a:spcBef>
+                        <a:spcAft>
+                          <a:spcPts val="0"/>
+                        </a:spcAft>
+                        <a:buClrTx/>
+                        <a:buSzTx/>
+                        <a:buFontTx/>
+                        <a:buNone/>
+                        <a:tabLst/>
+                        <a:defRPr/>
+                      </a:pPr>
+                      <a:r>
+                        <a:rPr lang="ru-RU" sz="1800" dirty="0" smtClean="0">
+                          <a:latin typeface="1 Amazone M" panose="040B0500000000000000" pitchFamily="82" charset="-52"/>
+                        </a:rPr>
+                        <a:t>Устройство вывода изображения “Монитор </a:t>
+                      </a:r>
+                      <a:r>
+                        <a:rPr lang="en-US" sz="1800" dirty="0" smtClean="0">
+                          <a:latin typeface="1 Amazone M" panose="040B0500000000000000" pitchFamily="82" charset="-52"/>
+                        </a:rPr>
+                        <a:t>Dell</a:t>
+                      </a:r>
+                      <a:r>
+                        <a:rPr lang="ru-RU" sz="1800" dirty="0" smtClean="0">
+                          <a:latin typeface="1 Amazone M" panose="040B0500000000000000" pitchFamily="82" charset="-52"/>
+                        </a:rPr>
+                        <a:t>”</a:t>
+                      </a:r>
+                    </a:p>
+                  </a:txBody>
+                  <a:tcPr/>
+                </a:tc>
+                <a:tc>
+                  <a:txBody>
+                    <a:bodyPr/>
+                    <a:lstStyle/>
+                    <a:p>
+                      <a:r>
+                        <a:rPr lang="ru-RU" dirty="0" smtClean="0"/>
+                        <a:t>20 шт.</a:t>
+                      </a:r>
+                      <a:endParaRPr lang="ru-RU" dirty="0"/>
+                    </a:p>
+                  </a:txBody>
+                  <a:tcPr/>
+                </a:tc>
+              </a:tr>
+              <a:tr h="626201">
+                <a:tc>
+                  <a:txBody>
+                    <a:bodyPr/>
+                    <a:lstStyle/>
+                    <a:p>
+                      <a:pPr marL="0" marR="0" indent="0" algn="l" defTabSz="914400" rtl="0" eaLnBrk="1" fontAlgn="auto" latinLnBrk="0" hangingPunct="1">
+                        <a:lnSpc>
+                          <a:spcPct val="100000"/>
+                        </a:lnSpc>
+                        <a:spcBef>
+                          <a:spcPts val="0"/>
+                        </a:spcBef>
+                        <a:spcAft>
+                          <a:spcPts val="0"/>
+                        </a:spcAft>
+                        <a:buClrTx/>
+                        <a:buSzTx/>
+                        <a:buFontTx/>
+                        <a:buNone/>
+                        <a:tabLst/>
+                        <a:defRPr/>
+                      </a:pPr>
+                      <a:r>
+                        <a:rPr lang="ru-RU" sz="1800" dirty="0" smtClean="0">
+                          <a:latin typeface="1 Amazone M" panose="040B0500000000000000" pitchFamily="82" charset="-52"/>
+                        </a:rPr>
+                        <a:t>Экран с проектором</a:t>
+                      </a:r>
+                    </a:p>
+                  </a:txBody>
+                  <a:tcPr/>
+                </a:tc>
+                <a:tc>
+                  <a:txBody>
+                    <a:bodyPr/>
+                    <a:lstStyle/>
+                    <a:p>
+                      <a:r>
+                        <a:rPr lang="ru-RU" dirty="0" smtClean="0"/>
+                        <a:t>1 шт.</a:t>
+                      </a:r>
+                      <a:endParaRPr lang="ru-RU" dirty="0"/>
+                    </a:p>
+                  </a:txBody>
+                  <a:tcPr/>
+                </a:tc>
+              </a:tr>
+              <a:tr h="626201">
+                <a:tc>
+                  <a:txBody>
+                    <a:bodyPr/>
+                    <a:lstStyle/>
+                    <a:p>
+                      <a:pPr marL="0" marR="0" indent="0" algn="l" defTabSz="914400" rtl="0" eaLnBrk="1" fontAlgn="auto" latinLnBrk="0" hangingPunct="1">
+                        <a:lnSpc>
+                          <a:spcPct val="100000"/>
+                        </a:lnSpc>
+                        <a:spcBef>
+                          <a:spcPts val="0"/>
+                        </a:spcBef>
+                        <a:spcAft>
+                          <a:spcPts val="0"/>
+                        </a:spcAft>
+                        <a:buClrTx/>
+                        <a:buSzTx/>
+                        <a:buFontTx/>
+                        <a:buNone/>
+                        <a:tabLst/>
+                        <a:defRPr/>
+                      </a:pPr>
+                      <a:r>
+                        <a:rPr lang="ru-RU" sz="1800" dirty="0" smtClean="0">
+                          <a:latin typeface="1 Amazone M" panose="040B0500000000000000" pitchFamily="82" charset="-52"/>
+                        </a:rPr>
+                        <a:t>Система хранения данных</a:t>
+                      </a:r>
+                    </a:p>
+                  </a:txBody>
+                  <a:tcPr/>
+                </a:tc>
+                <a:tc>
+                  <a:txBody>
+                    <a:bodyPr/>
+                    <a:lstStyle/>
+                    <a:p>
+                      <a:r>
+                        <a:rPr lang="ru-RU" dirty="0" smtClean="0"/>
+                        <a:t>1 шт.</a:t>
+                      </a:r>
+                      <a:endParaRPr lang="ru-RU" dirty="0"/>
+                    </a:p>
+                  </a:txBody>
+                  <a:tcPr/>
+                </a:tc>
+              </a:tr>
+            </a:tbl>
+          </a:graphicData>
+        </a:graphic>
+      </p:graphicFrame>
     </p:spTree>
     <p:extLst>
       <p:ext uri="{BB962C8B-B14F-4D97-AF65-F5344CB8AC3E}">
@@ -4837,7 +5100,6 @@
               <a:rPr lang="ru-RU" dirty="0"/>
               <a:t>Математическая модель или типовая схема базы данных</a:t>
             </a:r>
-            <a:endParaRPr lang="ru-RU" dirty="0"/>
           </a:p>
         </p:txBody>
       </p:sp>
@@ -5273,7 +5535,6 @@
               <a:rPr lang="ru-RU" dirty="0"/>
               <a:t>Таблица программных решений</a:t>
             </a:r>
-            <a:endParaRPr lang="ru-RU" dirty="0"/>
           </a:p>
         </p:txBody>
       </p:sp>
@@ -5287,7 +5548,7 @@
             <p:ph idx="1"/>
             <p:extLst>
               <p:ext uri="{D42A27DB-BD31-4B8C-83A1-F6EECF244321}">
-                <p14:modId xmlns:p14="http://schemas.microsoft.com/office/powerpoint/2010/main" val="2114949039"/>
+                <p14:modId xmlns:p14="http://schemas.microsoft.com/office/powerpoint/2010/main" val="1002801599"/>
               </p:ext>
             </p:extLst>
           </p:nvPr>
@@ -5329,7 +5590,7 @@
                     <a:p>
                       <a:r>
                         <a:rPr lang="ru-RU" dirty="0" smtClean="0"/>
-                        <a:t>Название программного решения</a:t>
+                        <a:t>Название</a:t>
                       </a:r>
                       <a:endParaRPr lang="ru-RU" dirty="0"/>
                     </a:p>
@@ -5492,7 +5753,6 @@
               <a:rPr lang="ru-RU" dirty="0"/>
               <a:t>Алгоритм (сценарий) решения задачи</a:t>
             </a:r>
-            <a:endParaRPr lang="ru-RU" dirty="0"/>
           </a:p>
         </p:txBody>
       </p:sp>
@@ -5608,7 +5868,6 @@
               <a:rPr lang="ru-RU" dirty="0"/>
               <a:t>Таблица инструментов, сред, языков</a:t>
             </a:r>
-            <a:endParaRPr lang="ru-RU" dirty="0"/>
           </a:p>
         </p:txBody>
       </p:sp>
@@ -5918,7 +6177,6 @@
               <a:rPr lang="ru-RU" dirty="0"/>
               <a:t>Структура главного модуля</a:t>
             </a:r>
-            <a:endParaRPr lang="ru-RU" dirty="0"/>
           </a:p>
         </p:txBody>
       </p:sp>
@@ -6229,7 +6487,7 @@
   <a:extraClrSchemeLst/>
   <a:extLst>
     <a:ext uri="{05A4C25C-085E-4340-85A3-A5531E510DB2}">
-      <thm15:themeFamily xmlns="" xmlns:thm15="http://schemas.microsoft.com/office/thememl/2012/main" name="Basis" id="{5665723A-49BA-4B57-8411-A56F8F207965}" vid="{90E45F77-AEFC-46EF-A7C1-5B338C297B02}"/>
+      <thm15:themeFamily xmlns:thm15="http://schemas.microsoft.com/office/thememl/2012/main" xmlns="" name="Basis" id="{5665723A-49BA-4B57-8411-A56F8F207965}" vid="{90E45F77-AEFC-46EF-A7C1-5B338C297B02}"/>
     </a:ext>
   </a:extLst>
 </a:theme>
